--- a/ERD.pptx
+++ b/ERD.pptx
@@ -5,10 +5,8 @@
     <p:sldMasterId id="2147483648" r:id="rId1"/>
   </p:sldMasterIdLst>
   <p:sldIdLst>
-    <p:sldId id="256" r:id="rId2"/>
-    <p:sldId id="257" r:id="rId3"/>
-    <p:sldId id="258" r:id="rId4"/>
-    <p:sldId id="259" r:id="rId5"/>
+    <p:sldId id="257" r:id="rId2"/>
+    <p:sldId id="259" r:id="rId3"/>
   </p:sldIdLst>
   <p:sldSz cx="12192000" cy="6858000"/>
   <p:notesSz cx="6858000" cy="9144000"/>
@@ -107,6 +105,11 @@
       </a:defRPr>
     </a:lvl9pPr>
   </p:defaultTextStyle>
+  <p:extLst>
+    <p:ext uri="{EFAFB233-063F-42B5-8137-9DF3F51BA10A}">
+      <p15:sldGuideLst xmlns:p15="http://schemas.microsoft.com/office/powerpoint/2012/main"/>
+    </p:ext>
+  </p:extLst>
 </p:presentation>
 </file>
 
@@ -14353,86 +14356,6 @@
           <a:chExt cx="0" cy="0"/>
         </a:xfrm>
       </p:grpSpPr>
-      <p:sp>
-        <p:nvSpPr>
-          <p:cNvPr id="2" name="Title 1">
-            <a:extLst>
-              <a:ext uri="{FF2B5EF4-FFF2-40B4-BE49-F238E27FC236}">
-                <a16:creationId xmlns:a16="http://schemas.microsoft.com/office/drawing/2014/main" id="{667435EA-2E58-0BAC-DD22-B195D91AEFA0}"/>
-              </a:ext>
-            </a:extLst>
-          </p:cNvPr>
-          <p:cNvSpPr>
-            <a:spLocks noGrp="1"/>
-          </p:cNvSpPr>
-          <p:nvPr>
-            <p:ph type="ctrTitle"/>
-          </p:nvPr>
-        </p:nvSpPr>
-        <p:spPr/>
-        <p:txBody>
-          <a:bodyPr/>
-          <a:lstStyle/>
-          <a:p>
-            <a:endParaRPr lang="en-CA"/>
-          </a:p>
-        </p:txBody>
-      </p:sp>
-      <p:sp>
-        <p:nvSpPr>
-          <p:cNvPr id="3" name="Subtitle 2">
-            <a:extLst>
-              <a:ext uri="{FF2B5EF4-FFF2-40B4-BE49-F238E27FC236}">
-                <a16:creationId xmlns:a16="http://schemas.microsoft.com/office/drawing/2014/main" id="{23FE0763-A045-E28E-A929-1B7DBD4CB87A}"/>
-              </a:ext>
-            </a:extLst>
-          </p:cNvPr>
-          <p:cNvSpPr>
-            <a:spLocks noGrp="1"/>
-          </p:cNvSpPr>
-          <p:nvPr>
-            <p:ph type="subTitle" idx="1"/>
-          </p:nvPr>
-        </p:nvSpPr>
-        <p:spPr/>
-        <p:txBody>
-          <a:bodyPr/>
-          <a:lstStyle/>
-          <a:p>
-            <a:endParaRPr lang="en-CA"/>
-          </a:p>
-        </p:txBody>
-      </p:sp>
-    </p:spTree>
-    <p:extLst>
-      <p:ext uri="{BB962C8B-B14F-4D97-AF65-F5344CB8AC3E}">
-        <p14:creationId xmlns:p14="http://schemas.microsoft.com/office/powerpoint/2010/main" val="2114573253"/>
-      </p:ext>
-    </p:extLst>
-  </p:cSld>
-  <p:clrMapOvr>
-    <a:masterClrMapping/>
-  </p:clrMapOvr>
-</p:sld>
-</file>
-
-<file path=ppt/slides/slide2.xml><?xml version="1.0" encoding="utf-8"?>
-<p:sld xmlns:a="http://schemas.openxmlformats.org/drawingml/2006/main" xmlns:r="http://schemas.openxmlformats.org/officeDocument/2006/relationships" xmlns:p="http://schemas.openxmlformats.org/presentationml/2006/main">
-  <p:cSld>
-    <p:spTree>
-      <p:nvGrpSpPr>
-        <p:cNvPr id="1" name=""/>
-        <p:cNvGrpSpPr/>
-        <p:nvPr/>
-      </p:nvGrpSpPr>
-      <p:grpSpPr>
-        <a:xfrm>
-          <a:off x="0" y="0"/>
-          <a:ext cx="0" cy="0"/>
-          <a:chOff x="0" y="0"/>
-          <a:chExt cx="0" cy="0"/>
-        </a:xfrm>
-      </p:grpSpPr>
       <p:graphicFrame>
         <p:nvGraphicFramePr>
           <p:cNvPr id="35" name="Diagram 34">
@@ -14474,3142 +14397,7 @@
 </p:sld>
 </file>
 
-<file path=ppt/slides/slide3.xml><?xml version="1.0" encoding="utf-8"?>
-<p:sld xmlns:a="http://schemas.openxmlformats.org/drawingml/2006/main" xmlns:r="http://schemas.openxmlformats.org/officeDocument/2006/relationships" xmlns:p="http://schemas.openxmlformats.org/presentationml/2006/main">
-  <p:cSld>
-    <p:spTree>
-      <p:nvGrpSpPr>
-        <p:cNvPr id="1" name=""/>
-        <p:cNvGrpSpPr/>
-        <p:nvPr/>
-      </p:nvGrpSpPr>
-      <p:grpSpPr>
-        <a:xfrm>
-          <a:off x="0" y="0"/>
-          <a:ext cx="0" cy="0"/>
-          <a:chOff x="0" y="0"/>
-          <a:chExt cx="0" cy="0"/>
-        </a:xfrm>
-      </p:grpSpPr>
-      <p:grpSp>
-        <p:nvGrpSpPr>
-          <p:cNvPr id="35" name="Group 34">
-            <a:extLst>
-              <a:ext uri="{FF2B5EF4-FFF2-40B4-BE49-F238E27FC236}">
-                <a16:creationId xmlns:a16="http://schemas.microsoft.com/office/drawing/2014/main" id="{40501D47-5D16-91F6-75CF-246330CB92A5}"/>
-              </a:ext>
-            </a:extLst>
-          </p:cNvPr>
-          <p:cNvGrpSpPr/>
-          <p:nvPr/>
-        </p:nvGrpSpPr>
-        <p:grpSpPr>
-          <a:xfrm>
-            <a:off x="5710744" y="106163"/>
-            <a:ext cx="770512" cy="385256"/>
-            <a:chOff x="4683554" y="3292"/>
-            <a:chExt cx="770512" cy="385256"/>
-          </a:xfrm>
-        </p:grpSpPr>
-        <p:sp>
-          <p:nvSpPr>
-            <p:cNvPr id="88" name="Rectangle: Rounded Corners 87">
-              <a:extLst>
-                <a:ext uri="{FF2B5EF4-FFF2-40B4-BE49-F238E27FC236}">
-                  <a16:creationId xmlns:a16="http://schemas.microsoft.com/office/drawing/2014/main" id="{4EBC1819-8635-2852-8DC8-27081ED51E0E}"/>
-                </a:ext>
-              </a:extLst>
-            </p:cNvPr>
-            <p:cNvSpPr/>
-            <p:nvPr/>
-          </p:nvSpPr>
-          <p:spPr>
-            <a:xfrm>
-              <a:off x="4683554" y="3292"/>
-              <a:ext cx="770512" cy="385256"/>
-            </a:xfrm>
-            <a:prstGeom prst="roundRect">
-              <a:avLst>
-                <a:gd name="adj" fmla="val 10000"/>
-              </a:avLst>
-            </a:prstGeom>
-          </p:spPr>
-          <p:style>
-            <a:lnRef idx="2">
-              <a:schemeClr val="lt1">
-                <a:hueOff val="0"/>
-                <a:satOff val="0"/>
-                <a:lumOff val="0"/>
-                <a:alphaOff val="0"/>
-              </a:schemeClr>
-            </a:lnRef>
-            <a:fillRef idx="1">
-              <a:schemeClr val="accent1">
-                <a:hueOff val="0"/>
-                <a:satOff val="0"/>
-                <a:lumOff val="0"/>
-                <a:alphaOff val="0"/>
-              </a:schemeClr>
-            </a:fillRef>
-            <a:effectRef idx="0">
-              <a:schemeClr val="accent1">
-                <a:hueOff val="0"/>
-                <a:satOff val="0"/>
-                <a:lumOff val="0"/>
-                <a:alphaOff val="0"/>
-              </a:schemeClr>
-            </a:effectRef>
-            <a:fontRef idx="minor">
-              <a:schemeClr val="lt1"/>
-            </a:fontRef>
-          </p:style>
-          <p:txBody>
-            <a:bodyPr/>
-            <a:lstStyle/>
-            <a:p>
-              <a:endParaRPr lang="en-CA"/>
-            </a:p>
-          </p:txBody>
-        </p:sp>
-        <p:sp>
-          <p:nvSpPr>
-            <p:cNvPr id="89" name="Rectangle: Rounded Corners 4">
-              <a:extLst>
-                <a:ext uri="{FF2B5EF4-FFF2-40B4-BE49-F238E27FC236}">
-                  <a16:creationId xmlns:a16="http://schemas.microsoft.com/office/drawing/2014/main" id="{53383D7A-F330-37A4-50FA-8E7A012E4EB6}"/>
-                </a:ext>
-              </a:extLst>
-            </p:cNvPr>
-            <p:cNvSpPr txBox="1"/>
-            <p:nvPr/>
-          </p:nvSpPr>
-          <p:spPr>
-            <a:xfrm>
-              <a:off x="4694838" y="14576"/>
-              <a:ext cx="747944" cy="362688"/>
-            </a:xfrm>
-            <a:prstGeom prst="rect">
-              <a:avLst/>
-            </a:prstGeom>
-          </p:spPr>
-          <p:style>
-            <a:lnRef idx="0">
-              <a:scrgbClr r="0" g="0" b="0"/>
-            </a:lnRef>
-            <a:fillRef idx="0">
-              <a:scrgbClr r="0" g="0" b="0"/>
-            </a:fillRef>
-            <a:effectRef idx="0">
-              <a:scrgbClr r="0" g="0" b="0"/>
-            </a:effectRef>
-            <a:fontRef idx="minor">
-              <a:schemeClr val="lt1"/>
-            </a:fontRef>
-          </p:style>
-          <p:txBody>
-            <a:bodyPr spcFirstLastPara="0" vert="horz" wrap="square" lIns="20955" tIns="13970" rIns="20955" bIns="13970" numCol="1" spcCol="1270" anchor="ctr" anchorCtr="0">
-              <a:noAutofit/>
-            </a:bodyPr>
-            <a:lstStyle/>
-            <a:p>
-              <a:pPr marL="0" lvl="0" indent="0" algn="ctr" defTabSz="488950">
-                <a:lnSpc>
-                  <a:spcPct val="90000"/>
-                </a:lnSpc>
-                <a:spcBef>
-                  <a:spcPct val="0"/>
-                </a:spcBef>
-                <a:spcAft>
-                  <a:spcPct val="35000"/>
-                </a:spcAft>
-                <a:buNone/>
-              </a:pPr>
-              <a:r>
-                <a:rPr lang="en-CA" sz="1100" kern="1200" dirty="0"/>
-                <a:t>Rental</a:t>
-              </a:r>
-            </a:p>
-          </p:txBody>
-        </p:sp>
-      </p:grpSp>
-      <p:sp>
-        <p:nvSpPr>
-          <p:cNvPr id="36" name="Straight Connector 5">
-            <a:extLst>
-              <a:ext uri="{FF2B5EF4-FFF2-40B4-BE49-F238E27FC236}">
-                <a16:creationId xmlns:a16="http://schemas.microsoft.com/office/drawing/2014/main" id="{0ED2711A-0CDF-2A53-C86D-BA2E7A33AC52}"/>
-              </a:ext>
-            </a:extLst>
-          </p:cNvPr>
-          <p:cNvSpPr/>
-          <p:nvPr/>
-        </p:nvSpPr>
-        <p:spPr>
-          <a:xfrm>
-            <a:off x="5742075" y="491420"/>
-            <a:ext cx="91440" cy="288942"/>
-          </a:xfrm>
-          <a:custGeom>
-            <a:avLst/>
-            <a:gdLst/>
-            <a:ahLst/>
-            <a:cxnLst/>
-            <a:rect l="0" t="0" r="0" b="0"/>
-            <a:pathLst>
-              <a:path>
-                <a:moveTo>
-                  <a:pt x="45720" y="0"/>
-                </a:moveTo>
-                <a:lnTo>
-                  <a:pt x="45720" y="288942"/>
-                </a:lnTo>
-                <a:lnTo>
-                  <a:pt x="122771" y="288942"/>
-                </a:lnTo>
-              </a:path>
-            </a:pathLst>
-          </a:custGeom>
-          <a:noFill/>
-        </p:spPr>
-        <p:style>
-          <a:lnRef idx="2">
-            <a:schemeClr val="accent1">
-              <a:shade val="60000"/>
-              <a:hueOff val="0"/>
-              <a:satOff val="0"/>
-              <a:lumOff val="0"/>
-              <a:alphaOff val="0"/>
-            </a:schemeClr>
-          </a:lnRef>
-          <a:fillRef idx="0">
-            <a:scrgbClr r="0" g="0" b="0"/>
-          </a:fillRef>
-          <a:effectRef idx="0">
-            <a:schemeClr val="accent1">
-              <a:hueOff val="0"/>
-              <a:satOff val="0"/>
-              <a:lumOff val="0"/>
-              <a:alphaOff val="0"/>
-            </a:schemeClr>
-          </a:effectRef>
-          <a:fontRef idx="minor">
-            <a:schemeClr val="tx1">
-              <a:hueOff val="0"/>
-              <a:satOff val="0"/>
-              <a:lumOff val="0"/>
-              <a:alphaOff val="0"/>
-            </a:schemeClr>
-          </a:fontRef>
-        </p:style>
-        <p:txBody>
-          <a:bodyPr/>
-          <a:lstStyle/>
-          <a:p>
-            <a:endParaRPr lang="en-CA"/>
-          </a:p>
-        </p:txBody>
-      </p:sp>
-      <p:grpSp>
-        <p:nvGrpSpPr>
-          <p:cNvPr id="37" name="Group 36">
-            <a:extLst>
-              <a:ext uri="{FF2B5EF4-FFF2-40B4-BE49-F238E27FC236}">
-                <a16:creationId xmlns:a16="http://schemas.microsoft.com/office/drawing/2014/main" id="{C7D00F1C-29EA-1784-9AB6-05EDF832AB87}"/>
-              </a:ext>
-            </a:extLst>
-          </p:cNvPr>
-          <p:cNvGrpSpPr/>
-          <p:nvPr/>
-        </p:nvGrpSpPr>
-        <p:grpSpPr>
-          <a:xfrm>
-            <a:off x="5864846" y="587734"/>
-            <a:ext cx="616410" cy="385256"/>
-            <a:chOff x="4837656" y="484863"/>
-            <a:chExt cx="616410" cy="385256"/>
-          </a:xfrm>
-        </p:grpSpPr>
-        <p:sp>
-          <p:nvSpPr>
-            <p:cNvPr id="86" name="Oval 85">
-              <a:extLst>
-                <a:ext uri="{FF2B5EF4-FFF2-40B4-BE49-F238E27FC236}">
-                  <a16:creationId xmlns:a16="http://schemas.microsoft.com/office/drawing/2014/main" id="{A44950F3-63C8-D9A2-27F8-64ABB20DAF1A}"/>
-                </a:ext>
-              </a:extLst>
-            </p:cNvPr>
-            <p:cNvSpPr/>
-            <p:nvPr/>
-          </p:nvSpPr>
-          <p:spPr>
-            <a:xfrm>
-              <a:off x="4837656" y="484863"/>
-              <a:ext cx="616410" cy="385256"/>
-            </a:xfrm>
-            <a:prstGeom prst="ellipse">
-              <a:avLst/>
-            </a:prstGeom>
-          </p:spPr>
-          <p:style>
-            <a:lnRef idx="2">
-              <a:schemeClr val="accent1">
-                <a:hueOff val="0"/>
-                <a:satOff val="0"/>
-                <a:lumOff val="0"/>
-                <a:alphaOff val="0"/>
-              </a:schemeClr>
-            </a:lnRef>
-            <a:fillRef idx="1">
-              <a:schemeClr val="lt1">
-                <a:alpha val="90000"/>
-                <a:hueOff val="0"/>
-                <a:satOff val="0"/>
-                <a:lumOff val="0"/>
-                <a:alphaOff val="0"/>
-              </a:schemeClr>
-            </a:fillRef>
-            <a:effectRef idx="0">
-              <a:schemeClr val="lt1">
-                <a:alpha val="90000"/>
-                <a:hueOff val="0"/>
-                <a:satOff val="0"/>
-                <a:lumOff val="0"/>
-                <a:alphaOff val="0"/>
-              </a:schemeClr>
-            </a:effectRef>
-            <a:fontRef idx="minor">
-              <a:schemeClr val="dk1">
-                <a:hueOff val="0"/>
-                <a:satOff val="0"/>
-                <a:lumOff val="0"/>
-                <a:alphaOff val="0"/>
-              </a:schemeClr>
-            </a:fontRef>
-          </p:style>
-          <p:txBody>
-            <a:bodyPr/>
-            <a:lstStyle/>
-            <a:p>
-              <a:endParaRPr lang="en-CA"/>
-            </a:p>
-          </p:txBody>
-        </p:sp>
-        <p:sp>
-          <p:nvSpPr>
-            <p:cNvPr id="87" name="Oval 7">
-              <a:extLst>
-                <a:ext uri="{FF2B5EF4-FFF2-40B4-BE49-F238E27FC236}">
-                  <a16:creationId xmlns:a16="http://schemas.microsoft.com/office/drawing/2014/main" id="{FE75E813-086B-B44B-5F46-CE4A7748FA11}"/>
-                </a:ext>
-              </a:extLst>
-            </p:cNvPr>
-            <p:cNvSpPr txBox="1"/>
-            <p:nvPr/>
-          </p:nvSpPr>
-          <p:spPr>
-            <a:xfrm>
-              <a:off x="4927927" y="541282"/>
-              <a:ext cx="435868" cy="272418"/>
-            </a:xfrm>
-            <a:prstGeom prst="rect">
-              <a:avLst/>
-            </a:prstGeom>
-          </p:spPr>
-          <p:style>
-            <a:lnRef idx="0">
-              <a:scrgbClr r="0" g="0" b="0"/>
-            </a:lnRef>
-            <a:fillRef idx="0">
-              <a:scrgbClr r="0" g="0" b="0"/>
-            </a:fillRef>
-            <a:effectRef idx="0">
-              <a:scrgbClr r="0" g="0" b="0"/>
-            </a:effectRef>
-            <a:fontRef idx="minor">
-              <a:schemeClr val="dk1">
-                <a:hueOff val="0"/>
-                <a:satOff val="0"/>
-                <a:lumOff val="0"/>
-                <a:alphaOff val="0"/>
-              </a:schemeClr>
-            </a:fontRef>
-          </p:style>
-          <p:txBody>
-            <a:bodyPr spcFirstLastPara="0" vert="horz" wrap="square" lIns="15240" tIns="10160" rIns="15240" bIns="10160" numCol="1" spcCol="1270" anchor="ctr" anchorCtr="0">
-              <a:noAutofit/>
-            </a:bodyPr>
-            <a:lstStyle/>
-            <a:p>
-              <a:pPr marL="0" lvl="0" indent="0" algn="ctr" defTabSz="355600">
-                <a:lnSpc>
-                  <a:spcPct val="90000"/>
-                </a:lnSpc>
-                <a:spcBef>
-                  <a:spcPct val="0"/>
-                </a:spcBef>
-                <a:spcAft>
-                  <a:spcPct val="35000"/>
-                </a:spcAft>
-                <a:buNone/>
-              </a:pPr>
-              <a:r>
-                <a:rPr lang="en-CA" sz="800" kern="1200" dirty="0"/>
-                <a:t>Rental ID</a:t>
-              </a:r>
-            </a:p>
-          </p:txBody>
-        </p:sp>
-      </p:grpSp>
-      <p:sp>
-        <p:nvSpPr>
-          <p:cNvPr id="38" name="Straight Connector 8">
-            <a:extLst>
-              <a:ext uri="{FF2B5EF4-FFF2-40B4-BE49-F238E27FC236}">
-                <a16:creationId xmlns:a16="http://schemas.microsoft.com/office/drawing/2014/main" id="{6B788A0A-BC62-1C38-E8F5-6AB2DDE9C80B}"/>
-              </a:ext>
-            </a:extLst>
-          </p:cNvPr>
-          <p:cNvSpPr/>
-          <p:nvPr/>
-        </p:nvSpPr>
-        <p:spPr>
-          <a:xfrm>
-            <a:off x="5742075" y="491420"/>
-            <a:ext cx="91440" cy="770512"/>
-          </a:xfrm>
-          <a:custGeom>
-            <a:avLst/>
-            <a:gdLst/>
-            <a:ahLst/>
-            <a:cxnLst/>
-            <a:rect l="0" t="0" r="0" b="0"/>
-            <a:pathLst>
-              <a:path>
-                <a:moveTo>
-                  <a:pt x="45720" y="0"/>
-                </a:moveTo>
-                <a:lnTo>
-                  <a:pt x="45720" y="770512"/>
-                </a:lnTo>
-                <a:lnTo>
-                  <a:pt x="122771" y="770512"/>
-                </a:lnTo>
-              </a:path>
-            </a:pathLst>
-          </a:custGeom>
-          <a:noFill/>
-        </p:spPr>
-        <p:style>
-          <a:lnRef idx="2">
-            <a:schemeClr val="accent1">
-              <a:shade val="60000"/>
-              <a:hueOff val="0"/>
-              <a:satOff val="0"/>
-              <a:lumOff val="0"/>
-              <a:alphaOff val="0"/>
-            </a:schemeClr>
-          </a:lnRef>
-          <a:fillRef idx="0">
-            <a:scrgbClr r="0" g="0" b="0"/>
-          </a:fillRef>
-          <a:effectRef idx="0">
-            <a:schemeClr val="accent1">
-              <a:hueOff val="0"/>
-              <a:satOff val="0"/>
-              <a:lumOff val="0"/>
-              <a:alphaOff val="0"/>
-            </a:schemeClr>
-          </a:effectRef>
-          <a:fontRef idx="minor">
-            <a:schemeClr val="tx1">
-              <a:hueOff val="0"/>
-              <a:satOff val="0"/>
-              <a:lumOff val="0"/>
-              <a:alphaOff val="0"/>
-            </a:schemeClr>
-          </a:fontRef>
-        </p:style>
-        <p:txBody>
-          <a:bodyPr/>
-          <a:lstStyle/>
-          <a:p>
-            <a:endParaRPr lang="en-CA"/>
-          </a:p>
-        </p:txBody>
-      </p:sp>
-      <p:grpSp>
-        <p:nvGrpSpPr>
-          <p:cNvPr id="39" name="Group 38">
-            <a:extLst>
-              <a:ext uri="{FF2B5EF4-FFF2-40B4-BE49-F238E27FC236}">
-                <a16:creationId xmlns:a16="http://schemas.microsoft.com/office/drawing/2014/main" id="{E8746AA5-9420-8BEC-EFD9-DF5B72CAE6B1}"/>
-              </a:ext>
-            </a:extLst>
-          </p:cNvPr>
-          <p:cNvGrpSpPr/>
-          <p:nvPr/>
-        </p:nvGrpSpPr>
-        <p:grpSpPr>
-          <a:xfrm>
-            <a:off x="5864846" y="1069305"/>
-            <a:ext cx="616410" cy="385256"/>
-            <a:chOff x="4837656" y="966434"/>
-            <a:chExt cx="616410" cy="385256"/>
-          </a:xfrm>
-        </p:grpSpPr>
-        <p:sp>
-          <p:nvSpPr>
-            <p:cNvPr id="84" name="Oval 83">
-              <a:extLst>
-                <a:ext uri="{FF2B5EF4-FFF2-40B4-BE49-F238E27FC236}">
-                  <a16:creationId xmlns:a16="http://schemas.microsoft.com/office/drawing/2014/main" id="{F9EE9374-416F-642D-996C-12DA9BBE09C6}"/>
-                </a:ext>
-              </a:extLst>
-            </p:cNvPr>
-            <p:cNvSpPr/>
-            <p:nvPr/>
-          </p:nvSpPr>
-          <p:spPr>
-            <a:xfrm>
-              <a:off x="4837656" y="966434"/>
-              <a:ext cx="616410" cy="385256"/>
-            </a:xfrm>
-            <a:prstGeom prst="ellipse">
-              <a:avLst/>
-            </a:prstGeom>
-          </p:spPr>
-          <p:style>
-            <a:lnRef idx="2">
-              <a:schemeClr val="accent1">
-                <a:hueOff val="0"/>
-                <a:satOff val="0"/>
-                <a:lumOff val="0"/>
-                <a:alphaOff val="0"/>
-              </a:schemeClr>
-            </a:lnRef>
-            <a:fillRef idx="1">
-              <a:schemeClr val="lt1">
-                <a:alpha val="90000"/>
-                <a:hueOff val="0"/>
-                <a:satOff val="0"/>
-                <a:lumOff val="0"/>
-                <a:alphaOff val="0"/>
-              </a:schemeClr>
-            </a:fillRef>
-            <a:effectRef idx="0">
-              <a:schemeClr val="lt1">
-                <a:alpha val="90000"/>
-                <a:hueOff val="0"/>
-                <a:satOff val="0"/>
-                <a:lumOff val="0"/>
-                <a:alphaOff val="0"/>
-              </a:schemeClr>
-            </a:effectRef>
-            <a:fontRef idx="minor">
-              <a:schemeClr val="dk1">
-                <a:hueOff val="0"/>
-                <a:satOff val="0"/>
-                <a:lumOff val="0"/>
-                <a:alphaOff val="0"/>
-              </a:schemeClr>
-            </a:fontRef>
-          </p:style>
-          <p:txBody>
-            <a:bodyPr/>
-            <a:lstStyle/>
-            <a:p>
-              <a:endParaRPr lang="en-CA"/>
-            </a:p>
-          </p:txBody>
-        </p:sp>
-        <p:sp>
-          <p:nvSpPr>
-            <p:cNvPr id="85" name="Oval 10">
-              <a:extLst>
-                <a:ext uri="{FF2B5EF4-FFF2-40B4-BE49-F238E27FC236}">
-                  <a16:creationId xmlns:a16="http://schemas.microsoft.com/office/drawing/2014/main" id="{7FB2C059-97C2-72B3-4AE7-E568F9DB8591}"/>
-                </a:ext>
-              </a:extLst>
-            </p:cNvPr>
-            <p:cNvSpPr txBox="1"/>
-            <p:nvPr/>
-          </p:nvSpPr>
-          <p:spPr>
-            <a:xfrm>
-              <a:off x="4927927" y="1022853"/>
-              <a:ext cx="435868" cy="272418"/>
-            </a:xfrm>
-            <a:prstGeom prst="rect">
-              <a:avLst/>
-            </a:prstGeom>
-          </p:spPr>
-          <p:style>
-            <a:lnRef idx="0">
-              <a:scrgbClr r="0" g="0" b="0"/>
-            </a:lnRef>
-            <a:fillRef idx="0">
-              <a:scrgbClr r="0" g="0" b="0"/>
-            </a:fillRef>
-            <a:effectRef idx="0">
-              <a:scrgbClr r="0" g="0" b="0"/>
-            </a:effectRef>
-            <a:fontRef idx="minor">
-              <a:schemeClr val="dk1">
-                <a:hueOff val="0"/>
-                <a:satOff val="0"/>
-                <a:lumOff val="0"/>
-                <a:alphaOff val="0"/>
-              </a:schemeClr>
-            </a:fontRef>
-          </p:style>
-          <p:txBody>
-            <a:bodyPr spcFirstLastPara="0" vert="horz" wrap="square" lIns="15240" tIns="10160" rIns="15240" bIns="10160" numCol="1" spcCol="1270" anchor="ctr" anchorCtr="0">
-              <a:noAutofit/>
-            </a:bodyPr>
-            <a:lstStyle/>
-            <a:p>
-              <a:pPr marL="0" lvl="0" indent="0" algn="ctr" defTabSz="355600">
-                <a:lnSpc>
-                  <a:spcPct val="90000"/>
-                </a:lnSpc>
-                <a:spcBef>
-                  <a:spcPct val="0"/>
-                </a:spcBef>
-                <a:spcAft>
-                  <a:spcPct val="35000"/>
-                </a:spcAft>
-                <a:buNone/>
-              </a:pPr>
-              <a:r>
-                <a:rPr lang="en-CA" sz="800" kern="1200" dirty="0"/>
-                <a:t>Equipment ID</a:t>
-              </a:r>
-            </a:p>
-          </p:txBody>
-        </p:sp>
-      </p:grpSp>
-      <p:sp>
-        <p:nvSpPr>
-          <p:cNvPr id="40" name="Straight Connector 11">
-            <a:extLst>
-              <a:ext uri="{FF2B5EF4-FFF2-40B4-BE49-F238E27FC236}">
-                <a16:creationId xmlns:a16="http://schemas.microsoft.com/office/drawing/2014/main" id="{E7CF381B-DA70-E3C3-6BFF-97460D9B23F3}"/>
-              </a:ext>
-            </a:extLst>
-          </p:cNvPr>
-          <p:cNvSpPr/>
-          <p:nvPr/>
-        </p:nvSpPr>
-        <p:spPr>
-          <a:xfrm>
-            <a:off x="5742075" y="491420"/>
-            <a:ext cx="91440" cy="1252083"/>
-          </a:xfrm>
-          <a:custGeom>
-            <a:avLst/>
-            <a:gdLst/>
-            <a:ahLst/>
-            <a:cxnLst/>
-            <a:rect l="0" t="0" r="0" b="0"/>
-            <a:pathLst>
-              <a:path>
-                <a:moveTo>
-                  <a:pt x="45720" y="0"/>
-                </a:moveTo>
-                <a:lnTo>
-                  <a:pt x="45720" y="1252083"/>
-                </a:lnTo>
-                <a:lnTo>
-                  <a:pt x="122771" y="1252083"/>
-                </a:lnTo>
-              </a:path>
-            </a:pathLst>
-          </a:custGeom>
-          <a:noFill/>
-        </p:spPr>
-        <p:style>
-          <a:lnRef idx="2">
-            <a:schemeClr val="accent1">
-              <a:shade val="60000"/>
-              <a:hueOff val="0"/>
-              <a:satOff val="0"/>
-              <a:lumOff val="0"/>
-              <a:alphaOff val="0"/>
-            </a:schemeClr>
-          </a:lnRef>
-          <a:fillRef idx="0">
-            <a:scrgbClr r="0" g="0" b="0"/>
-          </a:fillRef>
-          <a:effectRef idx="0">
-            <a:schemeClr val="accent1">
-              <a:hueOff val="0"/>
-              <a:satOff val="0"/>
-              <a:lumOff val="0"/>
-              <a:alphaOff val="0"/>
-            </a:schemeClr>
-          </a:effectRef>
-          <a:fontRef idx="minor">
-            <a:schemeClr val="tx1">
-              <a:hueOff val="0"/>
-              <a:satOff val="0"/>
-              <a:lumOff val="0"/>
-              <a:alphaOff val="0"/>
-            </a:schemeClr>
-          </a:fontRef>
-        </p:style>
-        <p:txBody>
-          <a:bodyPr/>
-          <a:lstStyle/>
-          <a:p>
-            <a:endParaRPr lang="en-CA"/>
-          </a:p>
-        </p:txBody>
-      </p:sp>
-      <p:grpSp>
-        <p:nvGrpSpPr>
-          <p:cNvPr id="41" name="Group 40">
-            <a:extLst>
-              <a:ext uri="{FF2B5EF4-FFF2-40B4-BE49-F238E27FC236}">
-                <a16:creationId xmlns:a16="http://schemas.microsoft.com/office/drawing/2014/main" id="{84A57F4A-06AE-EAC5-AFE6-6621D5C93A3A}"/>
-              </a:ext>
-            </a:extLst>
-          </p:cNvPr>
-          <p:cNvGrpSpPr/>
-          <p:nvPr/>
-        </p:nvGrpSpPr>
-        <p:grpSpPr>
-          <a:xfrm>
-            <a:off x="5864846" y="1550875"/>
-            <a:ext cx="616410" cy="385256"/>
-            <a:chOff x="4837656" y="1448004"/>
-            <a:chExt cx="616410" cy="385256"/>
-          </a:xfrm>
-        </p:grpSpPr>
-        <p:sp>
-          <p:nvSpPr>
-            <p:cNvPr id="82" name="Oval 81">
-              <a:extLst>
-                <a:ext uri="{FF2B5EF4-FFF2-40B4-BE49-F238E27FC236}">
-                  <a16:creationId xmlns:a16="http://schemas.microsoft.com/office/drawing/2014/main" id="{7A55633C-98DA-0E6A-A2B9-1DEB7803D157}"/>
-                </a:ext>
-              </a:extLst>
-            </p:cNvPr>
-            <p:cNvSpPr/>
-            <p:nvPr/>
-          </p:nvSpPr>
-          <p:spPr>
-            <a:xfrm>
-              <a:off x="4837656" y="1448004"/>
-              <a:ext cx="616410" cy="385256"/>
-            </a:xfrm>
-            <a:prstGeom prst="ellipse">
-              <a:avLst/>
-            </a:prstGeom>
-          </p:spPr>
-          <p:style>
-            <a:lnRef idx="2">
-              <a:schemeClr val="accent1">
-                <a:hueOff val="0"/>
-                <a:satOff val="0"/>
-                <a:lumOff val="0"/>
-                <a:alphaOff val="0"/>
-              </a:schemeClr>
-            </a:lnRef>
-            <a:fillRef idx="1">
-              <a:schemeClr val="lt1">
-                <a:alpha val="90000"/>
-                <a:hueOff val="0"/>
-                <a:satOff val="0"/>
-                <a:lumOff val="0"/>
-                <a:alphaOff val="0"/>
-              </a:schemeClr>
-            </a:fillRef>
-            <a:effectRef idx="0">
-              <a:schemeClr val="lt1">
-                <a:alpha val="90000"/>
-                <a:hueOff val="0"/>
-                <a:satOff val="0"/>
-                <a:lumOff val="0"/>
-                <a:alphaOff val="0"/>
-              </a:schemeClr>
-            </a:effectRef>
-            <a:fontRef idx="minor">
-              <a:schemeClr val="dk1">
-                <a:hueOff val="0"/>
-                <a:satOff val="0"/>
-                <a:lumOff val="0"/>
-                <a:alphaOff val="0"/>
-              </a:schemeClr>
-            </a:fontRef>
-          </p:style>
-          <p:txBody>
-            <a:bodyPr/>
-            <a:lstStyle/>
-            <a:p>
-              <a:endParaRPr lang="en-CA"/>
-            </a:p>
-          </p:txBody>
-        </p:sp>
-        <p:sp>
-          <p:nvSpPr>
-            <p:cNvPr id="83" name="Oval 13">
-              <a:extLst>
-                <a:ext uri="{FF2B5EF4-FFF2-40B4-BE49-F238E27FC236}">
-                  <a16:creationId xmlns:a16="http://schemas.microsoft.com/office/drawing/2014/main" id="{D02B8F4F-3122-3A08-BFF5-FA2CCFB6762F}"/>
-                </a:ext>
-              </a:extLst>
-            </p:cNvPr>
-            <p:cNvSpPr txBox="1"/>
-            <p:nvPr/>
-          </p:nvSpPr>
-          <p:spPr>
-            <a:xfrm>
-              <a:off x="4927927" y="1504423"/>
-              <a:ext cx="435868" cy="272418"/>
-            </a:xfrm>
-            <a:prstGeom prst="rect">
-              <a:avLst/>
-            </a:prstGeom>
-          </p:spPr>
-          <p:style>
-            <a:lnRef idx="0">
-              <a:scrgbClr r="0" g="0" b="0"/>
-            </a:lnRef>
-            <a:fillRef idx="0">
-              <a:scrgbClr r="0" g="0" b="0"/>
-            </a:fillRef>
-            <a:effectRef idx="0">
-              <a:scrgbClr r="0" g="0" b="0"/>
-            </a:effectRef>
-            <a:fontRef idx="minor">
-              <a:schemeClr val="dk1">
-                <a:hueOff val="0"/>
-                <a:satOff val="0"/>
-                <a:lumOff val="0"/>
-                <a:alphaOff val="0"/>
-              </a:schemeClr>
-            </a:fontRef>
-          </p:style>
-          <p:txBody>
-            <a:bodyPr spcFirstLastPara="0" vert="horz" wrap="square" lIns="15240" tIns="10160" rIns="15240" bIns="10160" numCol="1" spcCol="1270" anchor="ctr" anchorCtr="0">
-              <a:noAutofit/>
-            </a:bodyPr>
-            <a:lstStyle/>
-            <a:p>
-              <a:pPr marL="0" lvl="0" indent="0" algn="ctr" defTabSz="355600">
-                <a:lnSpc>
-                  <a:spcPct val="90000"/>
-                </a:lnSpc>
-                <a:spcBef>
-                  <a:spcPct val="0"/>
-                </a:spcBef>
-                <a:spcAft>
-                  <a:spcPct val="35000"/>
-                </a:spcAft>
-                <a:buNone/>
-              </a:pPr>
-              <a:r>
-                <a:rPr lang="en-CA" sz="800" kern="1200" dirty="0"/>
-                <a:t>Referral Case ID</a:t>
-              </a:r>
-            </a:p>
-          </p:txBody>
-        </p:sp>
-      </p:grpSp>
-      <p:sp>
-        <p:nvSpPr>
-          <p:cNvPr id="42" name="Straight Connector 14">
-            <a:extLst>
-              <a:ext uri="{FF2B5EF4-FFF2-40B4-BE49-F238E27FC236}">
-                <a16:creationId xmlns:a16="http://schemas.microsoft.com/office/drawing/2014/main" id="{BFB63C43-FDED-6256-AF9B-D59EB8E5AAD1}"/>
-              </a:ext>
-            </a:extLst>
-          </p:cNvPr>
-          <p:cNvSpPr/>
-          <p:nvPr/>
-        </p:nvSpPr>
-        <p:spPr>
-          <a:xfrm>
-            <a:off x="5742075" y="491420"/>
-            <a:ext cx="91440" cy="1733654"/>
-          </a:xfrm>
-          <a:custGeom>
-            <a:avLst/>
-            <a:gdLst/>
-            <a:ahLst/>
-            <a:cxnLst/>
-            <a:rect l="0" t="0" r="0" b="0"/>
-            <a:pathLst>
-              <a:path>
-                <a:moveTo>
-                  <a:pt x="45720" y="0"/>
-                </a:moveTo>
-                <a:lnTo>
-                  <a:pt x="45720" y="1733654"/>
-                </a:lnTo>
-                <a:lnTo>
-                  <a:pt x="122771" y="1733654"/>
-                </a:lnTo>
-              </a:path>
-            </a:pathLst>
-          </a:custGeom>
-          <a:noFill/>
-        </p:spPr>
-        <p:style>
-          <a:lnRef idx="2">
-            <a:schemeClr val="accent1">
-              <a:shade val="60000"/>
-              <a:hueOff val="0"/>
-              <a:satOff val="0"/>
-              <a:lumOff val="0"/>
-              <a:alphaOff val="0"/>
-            </a:schemeClr>
-          </a:lnRef>
-          <a:fillRef idx="0">
-            <a:scrgbClr r="0" g="0" b="0"/>
-          </a:fillRef>
-          <a:effectRef idx="0">
-            <a:schemeClr val="accent1">
-              <a:hueOff val="0"/>
-              <a:satOff val="0"/>
-              <a:lumOff val="0"/>
-              <a:alphaOff val="0"/>
-            </a:schemeClr>
-          </a:effectRef>
-          <a:fontRef idx="minor">
-            <a:schemeClr val="tx1">
-              <a:hueOff val="0"/>
-              <a:satOff val="0"/>
-              <a:lumOff val="0"/>
-              <a:alphaOff val="0"/>
-            </a:schemeClr>
-          </a:fontRef>
-        </p:style>
-        <p:txBody>
-          <a:bodyPr/>
-          <a:lstStyle/>
-          <a:p>
-            <a:endParaRPr lang="en-CA"/>
-          </a:p>
-        </p:txBody>
-      </p:sp>
-      <p:grpSp>
-        <p:nvGrpSpPr>
-          <p:cNvPr id="43" name="Group 42">
-            <a:extLst>
-              <a:ext uri="{FF2B5EF4-FFF2-40B4-BE49-F238E27FC236}">
-                <a16:creationId xmlns:a16="http://schemas.microsoft.com/office/drawing/2014/main" id="{08C3F23F-F4A2-BBB6-B0E8-9D66F21CC5EB}"/>
-              </a:ext>
-            </a:extLst>
-          </p:cNvPr>
-          <p:cNvGrpSpPr/>
-          <p:nvPr/>
-        </p:nvGrpSpPr>
-        <p:grpSpPr>
-          <a:xfrm>
-            <a:off x="5864846" y="2032446"/>
-            <a:ext cx="616410" cy="385256"/>
-            <a:chOff x="4837656" y="1929575"/>
-            <a:chExt cx="616410" cy="385256"/>
-          </a:xfrm>
-        </p:grpSpPr>
-        <p:sp>
-          <p:nvSpPr>
-            <p:cNvPr id="80" name="Oval 79">
-              <a:extLst>
-                <a:ext uri="{FF2B5EF4-FFF2-40B4-BE49-F238E27FC236}">
-                  <a16:creationId xmlns:a16="http://schemas.microsoft.com/office/drawing/2014/main" id="{C315FF72-F9A3-22A9-7985-3A56951A2650}"/>
-                </a:ext>
-              </a:extLst>
-            </p:cNvPr>
-            <p:cNvSpPr/>
-            <p:nvPr/>
-          </p:nvSpPr>
-          <p:spPr>
-            <a:xfrm>
-              <a:off x="4837656" y="1929575"/>
-              <a:ext cx="616410" cy="385256"/>
-            </a:xfrm>
-            <a:prstGeom prst="ellipse">
-              <a:avLst/>
-            </a:prstGeom>
-          </p:spPr>
-          <p:style>
-            <a:lnRef idx="2">
-              <a:schemeClr val="accent1">
-                <a:hueOff val="0"/>
-                <a:satOff val="0"/>
-                <a:lumOff val="0"/>
-                <a:alphaOff val="0"/>
-              </a:schemeClr>
-            </a:lnRef>
-            <a:fillRef idx="1">
-              <a:schemeClr val="lt1">
-                <a:alpha val="90000"/>
-                <a:hueOff val="0"/>
-                <a:satOff val="0"/>
-                <a:lumOff val="0"/>
-                <a:alphaOff val="0"/>
-              </a:schemeClr>
-            </a:fillRef>
-            <a:effectRef idx="0">
-              <a:schemeClr val="lt1">
-                <a:alpha val="90000"/>
-                <a:hueOff val="0"/>
-                <a:satOff val="0"/>
-                <a:lumOff val="0"/>
-                <a:alphaOff val="0"/>
-              </a:schemeClr>
-            </a:effectRef>
-            <a:fontRef idx="minor">
-              <a:schemeClr val="dk1">
-                <a:hueOff val="0"/>
-                <a:satOff val="0"/>
-                <a:lumOff val="0"/>
-                <a:alphaOff val="0"/>
-              </a:schemeClr>
-            </a:fontRef>
-          </p:style>
-          <p:txBody>
-            <a:bodyPr/>
-            <a:lstStyle/>
-            <a:p>
-              <a:endParaRPr lang="en-CA"/>
-            </a:p>
-          </p:txBody>
-        </p:sp>
-        <p:sp>
-          <p:nvSpPr>
-            <p:cNvPr id="81" name="Oval 16">
-              <a:extLst>
-                <a:ext uri="{FF2B5EF4-FFF2-40B4-BE49-F238E27FC236}">
-                  <a16:creationId xmlns:a16="http://schemas.microsoft.com/office/drawing/2014/main" id="{E35D211C-2BD4-E1D9-EABD-67F14C89B15F}"/>
-                </a:ext>
-              </a:extLst>
-            </p:cNvPr>
-            <p:cNvSpPr txBox="1"/>
-            <p:nvPr/>
-          </p:nvSpPr>
-          <p:spPr>
-            <a:xfrm>
-              <a:off x="4927927" y="1985994"/>
-              <a:ext cx="435868" cy="272418"/>
-            </a:xfrm>
-            <a:prstGeom prst="rect">
-              <a:avLst/>
-            </a:prstGeom>
-          </p:spPr>
-          <p:style>
-            <a:lnRef idx="0">
-              <a:scrgbClr r="0" g="0" b="0"/>
-            </a:lnRef>
-            <a:fillRef idx="0">
-              <a:scrgbClr r="0" g="0" b="0"/>
-            </a:fillRef>
-            <a:effectRef idx="0">
-              <a:scrgbClr r="0" g="0" b="0"/>
-            </a:effectRef>
-            <a:fontRef idx="minor">
-              <a:schemeClr val="dk1">
-                <a:hueOff val="0"/>
-                <a:satOff val="0"/>
-                <a:lumOff val="0"/>
-                <a:alphaOff val="0"/>
-              </a:schemeClr>
-            </a:fontRef>
-          </p:style>
-          <p:txBody>
-            <a:bodyPr spcFirstLastPara="0" vert="horz" wrap="square" lIns="15240" tIns="10160" rIns="15240" bIns="10160" numCol="1" spcCol="1270" anchor="ctr" anchorCtr="0">
-              <a:noAutofit/>
-            </a:bodyPr>
-            <a:lstStyle/>
-            <a:p>
-              <a:pPr marL="0" lvl="0" indent="0" algn="ctr" defTabSz="355600">
-                <a:lnSpc>
-                  <a:spcPct val="90000"/>
-                </a:lnSpc>
-                <a:spcBef>
-                  <a:spcPct val="0"/>
-                </a:spcBef>
-                <a:spcAft>
-                  <a:spcPct val="35000"/>
-                </a:spcAft>
-                <a:buNone/>
-              </a:pPr>
-              <a:r>
-                <a:rPr lang="en-CA" sz="800" kern="1200" dirty="0"/>
-                <a:t>Rental Length Week</a:t>
-              </a:r>
-            </a:p>
-          </p:txBody>
-        </p:sp>
-      </p:grpSp>
-      <p:sp>
-        <p:nvSpPr>
-          <p:cNvPr id="44" name="Straight Connector 17">
-            <a:extLst>
-              <a:ext uri="{FF2B5EF4-FFF2-40B4-BE49-F238E27FC236}">
-                <a16:creationId xmlns:a16="http://schemas.microsoft.com/office/drawing/2014/main" id="{8747689A-EC92-587C-8160-12D5D9906E25}"/>
-              </a:ext>
-            </a:extLst>
-          </p:cNvPr>
-          <p:cNvSpPr/>
-          <p:nvPr/>
-        </p:nvSpPr>
-        <p:spPr>
-          <a:xfrm>
-            <a:off x="5742075" y="491420"/>
-            <a:ext cx="91440" cy="2215224"/>
-          </a:xfrm>
-          <a:custGeom>
-            <a:avLst/>
-            <a:gdLst/>
-            <a:ahLst/>
-            <a:cxnLst/>
-            <a:rect l="0" t="0" r="0" b="0"/>
-            <a:pathLst>
-              <a:path>
-                <a:moveTo>
-                  <a:pt x="45720" y="0"/>
-                </a:moveTo>
-                <a:lnTo>
-                  <a:pt x="45720" y="2215224"/>
-                </a:lnTo>
-                <a:lnTo>
-                  <a:pt x="122771" y="2215224"/>
-                </a:lnTo>
-              </a:path>
-            </a:pathLst>
-          </a:custGeom>
-          <a:noFill/>
-        </p:spPr>
-        <p:style>
-          <a:lnRef idx="2">
-            <a:schemeClr val="accent1">
-              <a:shade val="60000"/>
-              <a:hueOff val="0"/>
-              <a:satOff val="0"/>
-              <a:lumOff val="0"/>
-              <a:alphaOff val="0"/>
-            </a:schemeClr>
-          </a:lnRef>
-          <a:fillRef idx="0">
-            <a:scrgbClr r="0" g="0" b="0"/>
-          </a:fillRef>
-          <a:effectRef idx="0">
-            <a:schemeClr val="accent1">
-              <a:hueOff val="0"/>
-              <a:satOff val="0"/>
-              <a:lumOff val="0"/>
-              <a:alphaOff val="0"/>
-            </a:schemeClr>
-          </a:effectRef>
-          <a:fontRef idx="minor">
-            <a:schemeClr val="tx1">
-              <a:hueOff val="0"/>
-              <a:satOff val="0"/>
-              <a:lumOff val="0"/>
-              <a:alphaOff val="0"/>
-            </a:schemeClr>
-          </a:fontRef>
-        </p:style>
-        <p:txBody>
-          <a:bodyPr/>
-          <a:lstStyle/>
-          <a:p>
-            <a:endParaRPr lang="en-CA"/>
-          </a:p>
-        </p:txBody>
-      </p:sp>
-      <p:grpSp>
-        <p:nvGrpSpPr>
-          <p:cNvPr id="45" name="Group 44">
-            <a:extLst>
-              <a:ext uri="{FF2B5EF4-FFF2-40B4-BE49-F238E27FC236}">
-                <a16:creationId xmlns:a16="http://schemas.microsoft.com/office/drawing/2014/main" id="{81EE3CC0-8684-284D-F63C-EE390B18D266}"/>
-              </a:ext>
-            </a:extLst>
-          </p:cNvPr>
-          <p:cNvGrpSpPr/>
-          <p:nvPr/>
-        </p:nvGrpSpPr>
-        <p:grpSpPr>
-          <a:xfrm>
-            <a:off x="5864846" y="2514016"/>
-            <a:ext cx="616410" cy="385256"/>
-            <a:chOff x="4837656" y="2411145"/>
-            <a:chExt cx="616410" cy="385256"/>
-          </a:xfrm>
-        </p:grpSpPr>
-        <p:sp>
-          <p:nvSpPr>
-            <p:cNvPr id="78" name="Oval 77">
-              <a:extLst>
-                <a:ext uri="{FF2B5EF4-FFF2-40B4-BE49-F238E27FC236}">
-                  <a16:creationId xmlns:a16="http://schemas.microsoft.com/office/drawing/2014/main" id="{339A49F0-916E-6073-F3CD-D7DAB4474375}"/>
-                </a:ext>
-              </a:extLst>
-            </p:cNvPr>
-            <p:cNvSpPr/>
-            <p:nvPr/>
-          </p:nvSpPr>
-          <p:spPr>
-            <a:xfrm>
-              <a:off x="4837656" y="2411145"/>
-              <a:ext cx="616410" cy="385256"/>
-            </a:xfrm>
-            <a:prstGeom prst="ellipse">
-              <a:avLst/>
-            </a:prstGeom>
-          </p:spPr>
-          <p:style>
-            <a:lnRef idx="2">
-              <a:schemeClr val="accent1">
-                <a:hueOff val="0"/>
-                <a:satOff val="0"/>
-                <a:lumOff val="0"/>
-                <a:alphaOff val="0"/>
-              </a:schemeClr>
-            </a:lnRef>
-            <a:fillRef idx="1">
-              <a:schemeClr val="lt1">
-                <a:alpha val="90000"/>
-                <a:hueOff val="0"/>
-                <a:satOff val="0"/>
-                <a:lumOff val="0"/>
-                <a:alphaOff val="0"/>
-              </a:schemeClr>
-            </a:fillRef>
-            <a:effectRef idx="0">
-              <a:schemeClr val="lt1">
-                <a:alpha val="90000"/>
-                <a:hueOff val="0"/>
-                <a:satOff val="0"/>
-                <a:lumOff val="0"/>
-                <a:alphaOff val="0"/>
-              </a:schemeClr>
-            </a:effectRef>
-            <a:fontRef idx="minor">
-              <a:schemeClr val="dk1">
-                <a:hueOff val="0"/>
-                <a:satOff val="0"/>
-                <a:lumOff val="0"/>
-                <a:alphaOff val="0"/>
-              </a:schemeClr>
-            </a:fontRef>
-          </p:style>
-          <p:txBody>
-            <a:bodyPr/>
-            <a:lstStyle/>
-            <a:p>
-              <a:endParaRPr lang="en-CA"/>
-            </a:p>
-          </p:txBody>
-        </p:sp>
-        <p:sp>
-          <p:nvSpPr>
-            <p:cNvPr id="79" name="Oval 19">
-              <a:extLst>
-                <a:ext uri="{FF2B5EF4-FFF2-40B4-BE49-F238E27FC236}">
-                  <a16:creationId xmlns:a16="http://schemas.microsoft.com/office/drawing/2014/main" id="{09D168AB-3A96-8FEC-DA9B-109D88438EDA}"/>
-                </a:ext>
-              </a:extLst>
-            </p:cNvPr>
-            <p:cNvSpPr txBox="1"/>
-            <p:nvPr/>
-          </p:nvSpPr>
-          <p:spPr>
-            <a:xfrm>
-              <a:off x="4927927" y="2467564"/>
-              <a:ext cx="435868" cy="272418"/>
-            </a:xfrm>
-            <a:prstGeom prst="rect">
-              <a:avLst/>
-            </a:prstGeom>
-          </p:spPr>
-          <p:style>
-            <a:lnRef idx="0">
-              <a:scrgbClr r="0" g="0" b="0"/>
-            </a:lnRef>
-            <a:fillRef idx="0">
-              <a:scrgbClr r="0" g="0" b="0"/>
-            </a:fillRef>
-            <a:effectRef idx="0">
-              <a:scrgbClr r="0" g="0" b="0"/>
-            </a:effectRef>
-            <a:fontRef idx="minor">
-              <a:schemeClr val="dk1">
-                <a:hueOff val="0"/>
-                <a:satOff val="0"/>
-                <a:lumOff val="0"/>
-                <a:alphaOff val="0"/>
-              </a:schemeClr>
-            </a:fontRef>
-          </p:style>
-          <p:txBody>
-            <a:bodyPr spcFirstLastPara="0" vert="horz" wrap="square" lIns="15240" tIns="10160" rIns="15240" bIns="10160" numCol="1" spcCol="1270" anchor="ctr" anchorCtr="0">
-              <a:noAutofit/>
-            </a:bodyPr>
-            <a:lstStyle/>
-            <a:p>
-              <a:pPr marL="0" lvl="0" indent="0" algn="ctr" defTabSz="355600">
-                <a:lnSpc>
-                  <a:spcPct val="90000"/>
-                </a:lnSpc>
-                <a:spcBef>
-                  <a:spcPct val="0"/>
-                </a:spcBef>
-                <a:spcAft>
-                  <a:spcPct val="35000"/>
-                </a:spcAft>
-                <a:buNone/>
-              </a:pPr>
-              <a:r>
-                <a:rPr lang="en-CA" sz="800" kern="1200" dirty="0"/>
-                <a:t>Rental Length Month</a:t>
-              </a:r>
-            </a:p>
-          </p:txBody>
-        </p:sp>
-      </p:grpSp>
-      <p:sp>
-        <p:nvSpPr>
-          <p:cNvPr id="46" name="Straight Connector 20">
-            <a:extLst>
-              <a:ext uri="{FF2B5EF4-FFF2-40B4-BE49-F238E27FC236}">
-                <a16:creationId xmlns:a16="http://schemas.microsoft.com/office/drawing/2014/main" id="{1CABD7C0-43BC-9412-EFD8-75B23947DCB5}"/>
-              </a:ext>
-            </a:extLst>
-          </p:cNvPr>
-          <p:cNvSpPr/>
-          <p:nvPr/>
-        </p:nvSpPr>
-        <p:spPr>
-          <a:xfrm>
-            <a:off x="5742075" y="491420"/>
-            <a:ext cx="91440" cy="2696795"/>
-          </a:xfrm>
-          <a:custGeom>
-            <a:avLst/>
-            <a:gdLst/>
-            <a:ahLst/>
-            <a:cxnLst/>
-            <a:rect l="0" t="0" r="0" b="0"/>
-            <a:pathLst>
-              <a:path>
-                <a:moveTo>
-                  <a:pt x="45720" y="0"/>
-                </a:moveTo>
-                <a:lnTo>
-                  <a:pt x="45720" y="2696795"/>
-                </a:lnTo>
-                <a:lnTo>
-                  <a:pt x="122771" y="2696795"/>
-                </a:lnTo>
-              </a:path>
-            </a:pathLst>
-          </a:custGeom>
-          <a:noFill/>
-        </p:spPr>
-        <p:style>
-          <a:lnRef idx="2">
-            <a:schemeClr val="accent1">
-              <a:shade val="60000"/>
-              <a:hueOff val="0"/>
-              <a:satOff val="0"/>
-              <a:lumOff val="0"/>
-              <a:alphaOff val="0"/>
-            </a:schemeClr>
-          </a:lnRef>
-          <a:fillRef idx="0">
-            <a:scrgbClr r="0" g="0" b="0"/>
-          </a:fillRef>
-          <a:effectRef idx="0">
-            <a:schemeClr val="accent1">
-              <a:hueOff val="0"/>
-              <a:satOff val="0"/>
-              <a:lumOff val="0"/>
-              <a:alphaOff val="0"/>
-            </a:schemeClr>
-          </a:effectRef>
-          <a:fontRef idx="minor">
-            <a:schemeClr val="tx1">
-              <a:hueOff val="0"/>
-              <a:satOff val="0"/>
-              <a:lumOff val="0"/>
-              <a:alphaOff val="0"/>
-            </a:schemeClr>
-          </a:fontRef>
-        </p:style>
-        <p:txBody>
-          <a:bodyPr/>
-          <a:lstStyle/>
-          <a:p>
-            <a:endParaRPr lang="en-CA"/>
-          </a:p>
-        </p:txBody>
-      </p:sp>
-      <p:grpSp>
-        <p:nvGrpSpPr>
-          <p:cNvPr id="47" name="Group 46">
-            <a:extLst>
-              <a:ext uri="{FF2B5EF4-FFF2-40B4-BE49-F238E27FC236}">
-                <a16:creationId xmlns:a16="http://schemas.microsoft.com/office/drawing/2014/main" id="{2A0C3F10-793C-FDBD-F68B-94BF9D06E77B}"/>
-              </a:ext>
-            </a:extLst>
-          </p:cNvPr>
-          <p:cNvGrpSpPr/>
-          <p:nvPr/>
-        </p:nvGrpSpPr>
-        <p:grpSpPr>
-          <a:xfrm>
-            <a:off x="5864846" y="2995587"/>
-            <a:ext cx="616410" cy="385256"/>
-            <a:chOff x="4837656" y="2892716"/>
-            <a:chExt cx="616410" cy="385256"/>
-          </a:xfrm>
-        </p:grpSpPr>
-        <p:sp>
-          <p:nvSpPr>
-            <p:cNvPr id="76" name="Oval 75">
-              <a:extLst>
-                <a:ext uri="{FF2B5EF4-FFF2-40B4-BE49-F238E27FC236}">
-                  <a16:creationId xmlns:a16="http://schemas.microsoft.com/office/drawing/2014/main" id="{D31A0A12-9AA0-9099-F40C-E58DE3AB3AB9}"/>
-                </a:ext>
-              </a:extLst>
-            </p:cNvPr>
-            <p:cNvSpPr/>
-            <p:nvPr/>
-          </p:nvSpPr>
-          <p:spPr>
-            <a:xfrm>
-              <a:off x="4837656" y="2892716"/>
-              <a:ext cx="616410" cy="385256"/>
-            </a:xfrm>
-            <a:prstGeom prst="ellipse">
-              <a:avLst/>
-            </a:prstGeom>
-          </p:spPr>
-          <p:style>
-            <a:lnRef idx="2">
-              <a:schemeClr val="accent1">
-                <a:hueOff val="0"/>
-                <a:satOff val="0"/>
-                <a:lumOff val="0"/>
-                <a:alphaOff val="0"/>
-              </a:schemeClr>
-            </a:lnRef>
-            <a:fillRef idx="1">
-              <a:schemeClr val="lt1">
-                <a:alpha val="90000"/>
-                <a:hueOff val="0"/>
-                <a:satOff val="0"/>
-                <a:lumOff val="0"/>
-                <a:alphaOff val="0"/>
-              </a:schemeClr>
-            </a:fillRef>
-            <a:effectRef idx="0">
-              <a:schemeClr val="lt1">
-                <a:alpha val="90000"/>
-                <a:hueOff val="0"/>
-                <a:satOff val="0"/>
-                <a:lumOff val="0"/>
-                <a:alphaOff val="0"/>
-              </a:schemeClr>
-            </a:effectRef>
-            <a:fontRef idx="minor">
-              <a:schemeClr val="dk1">
-                <a:hueOff val="0"/>
-                <a:satOff val="0"/>
-                <a:lumOff val="0"/>
-                <a:alphaOff val="0"/>
-              </a:schemeClr>
-            </a:fontRef>
-          </p:style>
-          <p:txBody>
-            <a:bodyPr/>
-            <a:lstStyle/>
-            <a:p>
-              <a:endParaRPr lang="en-CA"/>
-            </a:p>
-          </p:txBody>
-        </p:sp>
-        <p:sp>
-          <p:nvSpPr>
-            <p:cNvPr id="77" name="Oval 22">
-              <a:extLst>
-                <a:ext uri="{FF2B5EF4-FFF2-40B4-BE49-F238E27FC236}">
-                  <a16:creationId xmlns:a16="http://schemas.microsoft.com/office/drawing/2014/main" id="{EF8AD11E-3C3C-7BF9-E6ED-73503E988E43}"/>
-                </a:ext>
-              </a:extLst>
-            </p:cNvPr>
-            <p:cNvSpPr txBox="1"/>
-            <p:nvPr/>
-          </p:nvSpPr>
-          <p:spPr>
-            <a:xfrm>
-              <a:off x="4927927" y="2949135"/>
-              <a:ext cx="435868" cy="272418"/>
-            </a:xfrm>
-            <a:prstGeom prst="rect">
-              <a:avLst/>
-            </a:prstGeom>
-          </p:spPr>
-          <p:style>
-            <a:lnRef idx="0">
-              <a:scrgbClr r="0" g="0" b="0"/>
-            </a:lnRef>
-            <a:fillRef idx="0">
-              <a:scrgbClr r="0" g="0" b="0"/>
-            </a:fillRef>
-            <a:effectRef idx="0">
-              <a:scrgbClr r="0" g="0" b="0"/>
-            </a:effectRef>
-            <a:fontRef idx="minor">
-              <a:schemeClr val="dk1">
-                <a:hueOff val="0"/>
-                <a:satOff val="0"/>
-                <a:lumOff val="0"/>
-                <a:alphaOff val="0"/>
-              </a:schemeClr>
-            </a:fontRef>
-          </p:style>
-          <p:txBody>
-            <a:bodyPr spcFirstLastPara="0" vert="horz" wrap="square" lIns="15240" tIns="10160" rIns="15240" bIns="10160" numCol="1" spcCol="1270" anchor="ctr" anchorCtr="0">
-              <a:noAutofit/>
-            </a:bodyPr>
-            <a:lstStyle/>
-            <a:p>
-              <a:pPr marL="0" lvl="0" indent="0" algn="ctr" defTabSz="355600">
-                <a:lnSpc>
-                  <a:spcPct val="90000"/>
-                </a:lnSpc>
-                <a:spcBef>
-                  <a:spcPct val="0"/>
-                </a:spcBef>
-                <a:spcAft>
-                  <a:spcPct val="35000"/>
-                </a:spcAft>
-                <a:buNone/>
-              </a:pPr>
-              <a:r>
-                <a:rPr lang="en-CA" sz="800" kern="1200" dirty="0"/>
-                <a:t>Rental Status</a:t>
-              </a:r>
-            </a:p>
-          </p:txBody>
-        </p:sp>
-      </p:grpSp>
-      <p:sp>
-        <p:nvSpPr>
-          <p:cNvPr id="48" name="Straight Connector 23">
-            <a:extLst>
-              <a:ext uri="{FF2B5EF4-FFF2-40B4-BE49-F238E27FC236}">
-                <a16:creationId xmlns:a16="http://schemas.microsoft.com/office/drawing/2014/main" id="{65CBC1B9-E518-A3BD-3B9A-1AA186D5C0D6}"/>
-              </a:ext>
-            </a:extLst>
-          </p:cNvPr>
-          <p:cNvSpPr/>
-          <p:nvPr/>
-        </p:nvSpPr>
-        <p:spPr>
-          <a:xfrm>
-            <a:off x="5742075" y="491420"/>
-            <a:ext cx="91440" cy="3178365"/>
-          </a:xfrm>
-          <a:custGeom>
-            <a:avLst/>
-            <a:gdLst/>
-            <a:ahLst/>
-            <a:cxnLst/>
-            <a:rect l="0" t="0" r="0" b="0"/>
-            <a:pathLst>
-              <a:path>
-                <a:moveTo>
-                  <a:pt x="45720" y="0"/>
-                </a:moveTo>
-                <a:lnTo>
-                  <a:pt x="45720" y="3178365"/>
-                </a:lnTo>
-                <a:lnTo>
-                  <a:pt x="122771" y="3178365"/>
-                </a:lnTo>
-              </a:path>
-            </a:pathLst>
-          </a:custGeom>
-          <a:noFill/>
-        </p:spPr>
-        <p:style>
-          <a:lnRef idx="2">
-            <a:schemeClr val="accent1">
-              <a:shade val="60000"/>
-              <a:hueOff val="0"/>
-              <a:satOff val="0"/>
-              <a:lumOff val="0"/>
-              <a:alphaOff val="0"/>
-            </a:schemeClr>
-          </a:lnRef>
-          <a:fillRef idx="0">
-            <a:scrgbClr r="0" g="0" b="0"/>
-          </a:fillRef>
-          <a:effectRef idx="0">
-            <a:schemeClr val="accent1">
-              <a:hueOff val="0"/>
-              <a:satOff val="0"/>
-              <a:lumOff val="0"/>
-              <a:alphaOff val="0"/>
-            </a:schemeClr>
-          </a:effectRef>
-          <a:fontRef idx="minor">
-            <a:schemeClr val="tx1">
-              <a:hueOff val="0"/>
-              <a:satOff val="0"/>
-              <a:lumOff val="0"/>
-              <a:alphaOff val="0"/>
-            </a:schemeClr>
-          </a:fontRef>
-        </p:style>
-        <p:txBody>
-          <a:bodyPr/>
-          <a:lstStyle/>
-          <a:p>
-            <a:endParaRPr lang="en-CA"/>
-          </a:p>
-        </p:txBody>
-      </p:sp>
-      <p:grpSp>
-        <p:nvGrpSpPr>
-          <p:cNvPr id="49" name="Group 48">
-            <a:extLst>
-              <a:ext uri="{FF2B5EF4-FFF2-40B4-BE49-F238E27FC236}">
-                <a16:creationId xmlns:a16="http://schemas.microsoft.com/office/drawing/2014/main" id="{41E50D90-9DBE-F408-AEDF-D1151B6E2608}"/>
-              </a:ext>
-            </a:extLst>
-          </p:cNvPr>
-          <p:cNvGrpSpPr/>
-          <p:nvPr/>
-        </p:nvGrpSpPr>
-        <p:grpSpPr>
-          <a:xfrm>
-            <a:off x="5864846" y="3477158"/>
-            <a:ext cx="616410" cy="385256"/>
-            <a:chOff x="4837656" y="3374287"/>
-            <a:chExt cx="616410" cy="385256"/>
-          </a:xfrm>
-        </p:grpSpPr>
-        <p:sp>
-          <p:nvSpPr>
-            <p:cNvPr id="74" name="Oval 73">
-              <a:extLst>
-                <a:ext uri="{FF2B5EF4-FFF2-40B4-BE49-F238E27FC236}">
-                  <a16:creationId xmlns:a16="http://schemas.microsoft.com/office/drawing/2014/main" id="{7F96F741-548C-8D45-BE29-8E082C65844E}"/>
-                </a:ext>
-              </a:extLst>
-            </p:cNvPr>
-            <p:cNvSpPr/>
-            <p:nvPr/>
-          </p:nvSpPr>
-          <p:spPr>
-            <a:xfrm>
-              <a:off x="4837656" y="3374287"/>
-              <a:ext cx="616410" cy="385256"/>
-            </a:xfrm>
-            <a:prstGeom prst="ellipse">
-              <a:avLst/>
-            </a:prstGeom>
-          </p:spPr>
-          <p:style>
-            <a:lnRef idx="2">
-              <a:schemeClr val="accent1">
-                <a:hueOff val="0"/>
-                <a:satOff val="0"/>
-                <a:lumOff val="0"/>
-                <a:alphaOff val="0"/>
-              </a:schemeClr>
-            </a:lnRef>
-            <a:fillRef idx="1">
-              <a:schemeClr val="lt1">
-                <a:alpha val="90000"/>
-                <a:hueOff val="0"/>
-                <a:satOff val="0"/>
-                <a:lumOff val="0"/>
-                <a:alphaOff val="0"/>
-              </a:schemeClr>
-            </a:fillRef>
-            <a:effectRef idx="0">
-              <a:schemeClr val="lt1">
-                <a:alpha val="90000"/>
-                <a:hueOff val="0"/>
-                <a:satOff val="0"/>
-                <a:lumOff val="0"/>
-                <a:alphaOff val="0"/>
-              </a:schemeClr>
-            </a:effectRef>
-            <a:fontRef idx="minor">
-              <a:schemeClr val="dk1">
-                <a:hueOff val="0"/>
-                <a:satOff val="0"/>
-                <a:lumOff val="0"/>
-                <a:alphaOff val="0"/>
-              </a:schemeClr>
-            </a:fontRef>
-          </p:style>
-          <p:txBody>
-            <a:bodyPr/>
-            <a:lstStyle/>
-            <a:p>
-              <a:endParaRPr lang="en-CA"/>
-            </a:p>
-          </p:txBody>
-        </p:sp>
-        <p:sp>
-          <p:nvSpPr>
-            <p:cNvPr id="75" name="Oval 25">
-              <a:extLst>
-                <a:ext uri="{FF2B5EF4-FFF2-40B4-BE49-F238E27FC236}">
-                  <a16:creationId xmlns:a16="http://schemas.microsoft.com/office/drawing/2014/main" id="{EB7D7710-A461-8A86-BBB0-71D135E1D23A}"/>
-                </a:ext>
-              </a:extLst>
-            </p:cNvPr>
-            <p:cNvSpPr txBox="1"/>
-            <p:nvPr/>
-          </p:nvSpPr>
-          <p:spPr>
-            <a:xfrm>
-              <a:off x="4927927" y="3430706"/>
-              <a:ext cx="435868" cy="272418"/>
-            </a:xfrm>
-            <a:prstGeom prst="rect">
-              <a:avLst/>
-            </a:prstGeom>
-          </p:spPr>
-          <p:style>
-            <a:lnRef idx="0">
-              <a:scrgbClr r="0" g="0" b="0"/>
-            </a:lnRef>
-            <a:fillRef idx="0">
-              <a:scrgbClr r="0" g="0" b="0"/>
-            </a:fillRef>
-            <a:effectRef idx="0">
-              <a:scrgbClr r="0" g="0" b="0"/>
-            </a:effectRef>
-            <a:fontRef idx="minor">
-              <a:schemeClr val="dk1">
-                <a:hueOff val="0"/>
-                <a:satOff val="0"/>
-                <a:lumOff val="0"/>
-                <a:alphaOff val="0"/>
-              </a:schemeClr>
-            </a:fontRef>
-          </p:style>
-          <p:txBody>
-            <a:bodyPr spcFirstLastPara="0" vert="horz" wrap="square" lIns="15240" tIns="10160" rIns="15240" bIns="10160" numCol="1" spcCol="1270" anchor="ctr" anchorCtr="0">
-              <a:noAutofit/>
-            </a:bodyPr>
-            <a:lstStyle/>
-            <a:p>
-              <a:pPr marL="0" lvl="0" indent="0" algn="ctr" defTabSz="355600">
-                <a:lnSpc>
-                  <a:spcPct val="90000"/>
-                </a:lnSpc>
-                <a:spcBef>
-                  <a:spcPct val="0"/>
-                </a:spcBef>
-                <a:spcAft>
-                  <a:spcPct val="35000"/>
-                </a:spcAft>
-                <a:buNone/>
-              </a:pPr>
-              <a:r>
-                <a:rPr lang="en-CA" sz="800" kern="1200" dirty="0"/>
-                <a:t>Delivery Date</a:t>
-              </a:r>
-            </a:p>
-          </p:txBody>
-        </p:sp>
-      </p:grpSp>
-      <p:sp>
-        <p:nvSpPr>
-          <p:cNvPr id="50" name="Straight Connector 26">
-            <a:extLst>
-              <a:ext uri="{FF2B5EF4-FFF2-40B4-BE49-F238E27FC236}">
-                <a16:creationId xmlns:a16="http://schemas.microsoft.com/office/drawing/2014/main" id="{E629289C-5BF4-3C7B-0C08-745E1B6A95A3}"/>
-              </a:ext>
-            </a:extLst>
-          </p:cNvPr>
-          <p:cNvSpPr/>
-          <p:nvPr/>
-        </p:nvSpPr>
-        <p:spPr>
-          <a:xfrm>
-            <a:off x="5742075" y="491420"/>
-            <a:ext cx="91440" cy="3659936"/>
-          </a:xfrm>
-          <a:custGeom>
-            <a:avLst/>
-            <a:gdLst/>
-            <a:ahLst/>
-            <a:cxnLst/>
-            <a:rect l="0" t="0" r="0" b="0"/>
-            <a:pathLst>
-              <a:path>
-                <a:moveTo>
-                  <a:pt x="45720" y="0"/>
-                </a:moveTo>
-                <a:lnTo>
-                  <a:pt x="45720" y="3659936"/>
-                </a:lnTo>
-                <a:lnTo>
-                  <a:pt x="122771" y="3659936"/>
-                </a:lnTo>
-              </a:path>
-            </a:pathLst>
-          </a:custGeom>
-          <a:noFill/>
-        </p:spPr>
-        <p:style>
-          <a:lnRef idx="2">
-            <a:schemeClr val="accent1">
-              <a:shade val="60000"/>
-              <a:hueOff val="0"/>
-              <a:satOff val="0"/>
-              <a:lumOff val="0"/>
-              <a:alphaOff val="0"/>
-            </a:schemeClr>
-          </a:lnRef>
-          <a:fillRef idx="0">
-            <a:scrgbClr r="0" g="0" b="0"/>
-          </a:fillRef>
-          <a:effectRef idx="0">
-            <a:schemeClr val="accent1">
-              <a:hueOff val="0"/>
-              <a:satOff val="0"/>
-              <a:lumOff val="0"/>
-              <a:alphaOff val="0"/>
-            </a:schemeClr>
-          </a:effectRef>
-          <a:fontRef idx="minor">
-            <a:schemeClr val="tx1">
-              <a:hueOff val="0"/>
-              <a:satOff val="0"/>
-              <a:lumOff val="0"/>
-              <a:alphaOff val="0"/>
-            </a:schemeClr>
-          </a:fontRef>
-        </p:style>
-        <p:txBody>
-          <a:bodyPr/>
-          <a:lstStyle/>
-          <a:p>
-            <a:endParaRPr lang="en-CA"/>
-          </a:p>
-        </p:txBody>
-      </p:sp>
-      <p:grpSp>
-        <p:nvGrpSpPr>
-          <p:cNvPr id="51" name="Group 50">
-            <a:extLst>
-              <a:ext uri="{FF2B5EF4-FFF2-40B4-BE49-F238E27FC236}">
-                <a16:creationId xmlns:a16="http://schemas.microsoft.com/office/drawing/2014/main" id="{75E2188D-02CE-0435-AB87-CF7B4901D1C5}"/>
-              </a:ext>
-            </a:extLst>
-          </p:cNvPr>
-          <p:cNvGrpSpPr/>
-          <p:nvPr/>
-        </p:nvGrpSpPr>
-        <p:grpSpPr>
-          <a:xfrm>
-            <a:off x="5864846" y="3958728"/>
-            <a:ext cx="616410" cy="385256"/>
-            <a:chOff x="4837656" y="3855857"/>
-            <a:chExt cx="616410" cy="385256"/>
-          </a:xfrm>
-        </p:grpSpPr>
-        <p:sp>
-          <p:nvSpPr>
-            <p:cNvPr id="72" name="Oval 71">
-              <a:extLst>
-                <a:ext uri="{FF2B5EF4-FFF2-40B4-BE49-F238E27FC236}">
-                  <a16:creationId xmlns:a16="http://schemas.microsoft.com/office/drawing/2014/main" id="{5952ACE2-C419-5A5D-1D38-306EFCC014A0}"/>
-                </a:ext>
-              </a:extLst>
-            </p:cNvPr>
-            <p:cNvSpPr/>
-            <p:nvPr/>
-          </p:nvSpPr>
-          <p:spPr>
-            <a:xfrm>
-              <a:off x="4837656" y="3855857"/>
-              <a:ext cx="616410" cy="385256"/>
-            </a:xfrm>
-            <a:prstGeom prst="ellipse">
-              <a:avLst/>
-            </a:prstGeom>
-          </p:spPr>
-          <p:style>
-            <a:lnRef idx="2">
-              <a:schemeClr val="accent1">
-                <a:hueOff val="0"/>
-                <a:satOff val="0"/>
-                <a:lumOff val="0"/>
-                <a:alphaOff val="0"/>
-              </a:schemeClr>
-            </a:lnRef>
-            <a:fillRef idx="1">
-              <a:schemeClr val="lt1">
-                <a:alpha val="90000"/>
-                <a:hueOff val="0"/>
-                <a:satOff val="0"/>
-                <a:lumOff val="0"/>
-                <a:alphaOff val="0"/>
-              </a:schemeClr>
-            </a:fillRef>
-            <a:effectRef idx="0">
-              <a:schemeClr val="lt1">
-                <a:alpha val="90000"/>
-                <a:hueOff val="0"/>
-                <a:satOff val="0"/>
-                <a:lumOff val="0"/>
-                <a:alphaOff val="0"/>
-              </a:schemeClr>
-            </a:effectRef>
-            <a:fontRef idx="minor">
-              <a:schemeClr val="dk1">
-                <a:hueOff val="0"/>
-                <a:satOff val="0"/>
-                <a:lumOff val="0"/>
-                <a:alphaOff val="0"/>
-              </a:schemeClr>
-            </a:fontRef>
-          </p:style>
-          <p:txBody>
-            <a:bodyPr/>
-            <a:lstStyle/>
-            <a:p>
-              <a:endParaRPr lang="en-CA"/>
-            </a:p>
-          </p:txBody>
-        </p:sp>
-        <p:sp>
-          <p:nvSpPr>
-            <p:cNvPr id="73" name="Oval 28">
-              <a:extLst>
-                <a:ext uri="{FF2B5EF4-FFF2-40B4-BE49-F238E27FC236}">
-                  <a16:creationId xmlns:a16="http://schemas.microsoft.com/office/drawing/2014/main" id="{DB71953A-EA23-16A9-8F25-E39AFA8E58AF}"/>
-                </a:ext>
-              </a:extLst>
-            </p:cNvPr>
-            <p:cNvSpPr txBox="1"/>
-            <p:nvPr/>
-          </p:nvSpPr>
-          <p:spPr>
-            <a:xfrm>
-              <a:off x="4927927" y="3912276"/>
-              <a:ext cx="435868" cy="272418"/>
-            </a:xfrm>
-            <a:prstGeom prst="rect">
-              <a:avLst/>
-            </a:prstGeom>
-          </p:spPr>
-          <p:style>
-            <a:lnRef idx="0">
-              <a:scrgbClr r="0" g="0" b="0"/>
-            </a:lnRef>
-            <a:fillRef idx="0">
-              <a:scrgbClr r="0" g="0" b="0"/>
-            </a:fillRef>
-            <a:effectRef idx="0">
-              <a:scrgbClr r="0" g="0" b="0"/>
-            </a:effectRef>
-            <a:fontRef idx="minor">
-              <a:schemeClr val="dk1">
-                <a:hueOff val="0"/>
-                <a:satOff val="0"/>
-                <a:lumOff val="0"/>
-                <a:alphaOff val="0"/>
-              </a:schemeClr>
-            </a:fontRef>
-          </p:style>
-          <p:txBody>
-            <a:bodyPr spcFirstLastPara="0" vert="horz" wrap="square" lIns="15240" tIns="10160" rIns="15240" bIns="10160" numCol="1" spcCol="1270" anchor="ctr" anchorCtr="0">
-              <a:noAutofit/>
-            </a:bodyPr>
-            <a:lstStyle/>
-            <a:p>
-              <a:pPr marL="0" lvl="0" indent="0" algn="ctr" defTabSz="355600">
-                <a:lnSpc>
-                  <a:spcPct val="90000"/>
-                </a:lnSpc>
-                <a:spcBef>
-                  <a:spcPct val="0"/>
-                </a:spcBef>
-                <a:spcAft>
-                  <a:spcPct val="35000"/>
-                </a:spcAft>
-                <a:buNone/>
-              </a:pPr>
-              <a:r>
-                <a:rPr lang="en-CA" sz="800" kern="1200" dirty="0"/>
-                <a:t>Return Date</a:t>
-              </a:r>
-            </a:p>
-          </p:txBody>
-        </p:sp>
-      </p:grpSp>
-      <p:sp>
-        <p:nvSpPr>
-          <p:cNvPr id="52" name="Straight Connector 29">
-            <a:extLst>
-              <a:ext uri="{FF2B5EF4-FFF2-40B4-BE49-F238E27FC236}">
-                <a16:creationId xmlns:a16="http://schemas.microsoft.com/office/drawing/2014/main" id="{8B1A69FA-F089-7264-9305-90ECBE455BCD}"/>
-              </a:ext>
-            </a:extLst>
-          </p:cNvPr>
-          <p:cNvSpPr/>
-          <p:nvPr/>
-        </p:nvSpPr>
-        <p:spPr>
-          <a:xfrm>
-            <a:off x="5742075" y="491420"/>
-            <a:ext cx="91440" cy="4141507"/>
-          </a:xfrm>
-          <a:custGeom>
-            <a:avLst/>
-            <a:gdLst/>
-            <a:ahLst/>
-            <a:cxnLst/>
-            <a:rect l="0" t="0" r="0" b="0"/>
-            <a:pathLst>
-              <a:path>
-                <a:moveTo>
-                  <a:pt x="45720" y="0"/>
-                </a:moveTo>
-                <a:lnTo>
-                  <a:pt x="45720" y="4141507"/>
-                </a:lnTo>
-                <a:lnTo>
-                  <a:pt x="122771" y="4141507"/>
-                </a:lnTo>
-              </a:path>
-            </a:pathLst>
-          </a:custGeom>
-          <a:noFill/>
-        </p:spPr>
-        <p:style>
-          <a:lnRef idx="2">
-            <a:schemeClr val="accent1">
-              <a:shade val="60000"/>
-              <a:hueOff val="0"/>
-              <a:satOff val="0"/>
-              <a:lumOff val="0"/>
-              <a:alphaOff val="0"/>
-            </a:schemeClr>
-          </a:lnRef>
-          <a:fillRef idx="0">
-            <a:scrgbClr r="0" g="0" b="0"/>
-          </a:fillRef>
-          <a:effectRef idx="0">
-            <a:schemeClr val="accent1">
-              <a:hueOff val="0"/>
-              <a:satOff val="0"/>
-              <a:lumOff val="0"/>
-              <a:alphaOff val="0"/>
-            </a:schemeClr>
-          </a:effectRef>
-          <a:fontRef idx="minor">
-            <a:schemeClr val="tx1">
-              <a:hueOff val="0"/>
-              <a:satOff val="0"/>
-              <a:lumOff val="0"/>
-              <a:alphaOff val="0"/>
-            </a:schemeClr>
-          </a:fontRef>
-        </p:style>
-        <p:txBody>
-          <a:bodyPr/>
-          <a:lstStyle/>
-          <a:p>
-            <a:endParaRPr lang="en-CA"/>
-          </a:p>
-        </p:txBody>
-      </p:sp>
-      <p:grpSp>
-        <p:nvGrpSpPr>
-          <p:cNvPr id="53" name="Group 52">
-            <a:extLst>
-              <a:ext uri="{FF2B5EF4-FFF2-40B4-BE49-F238E27FC236}">
-                <a16:creationId xmlns:a16="http://schemas.microsoft.com/office/drawing/2014/main" id="{3564A338-91F1-EE0A-90A0-1E37898BB5D9}"/>
-              </a:ext>
-            </a:extLst>
-          </p:cNvPr>
-          <p:cNvGrpSpPr/>
-          <p:nvPr/>
-        </p:nvGrpSpPr>
-        <p:grpSpPr>
-          <a:xfrm>
-            <a:off x="5864846" y="4440299"/>
-            <a:ext cx="616410" cy="385256"/>
-            <a:chOff x="4837656" y="4337428"/>
-            <a:chExt cx="616410" cy="385256"/>
-          </a:xfrm>
-        </p:grpSpPr>
-        <p:sp>
-          <p:nvSpPr>
-            <p:cNvPr id="70" name="Oval 69">
-              <a:extLst>
-                <a:ext uri="{FF2B5EF4-FFF2-40B4-BE49-F238E27FC236}">
-                  <a16:creationId xmlns:a16="http://schemas.microsoft.com/office/drawing/2014/main" id="{32B9C715-60D7-3A8D-7B5E-6BDD93AD5928}"/>
-                </a:ext>
-              </a:extLst>
-            </p:cNvPr>
-            <p:cNvSpPr/>
-            <p:nvPr/>
-          </p:nvSpPr>
-          <p:spPr>
-            <a:xfrm>
-              <a:off x="4837656" y="4337428"/>
-              <a:ext cx="616410" cy="385256"/>
-            </a:xfrm>
-            <a:prstGeom prst="ellipse">
-              <a:avLst/>
-            </a:prstGeom>
-          </p:spPr>
-          <p:style>
-            <a:lnRef idx="2">
-              <a:schemeClr val="accent1">
-                <a:hueOff val="0"/>
-                <a:satOff val="0"/>
-                <a:lumOff val="0"/>
-                <a:alphaOff val="0"/>
-              </a:schemeClr>
-            </a:lnRef>
-            <a:fillRef idx="1">
-              <a:schemeClr val="lt1">
-                <a:alpha val="90000"/>
-                <a:hueOff val="0"/>
-                <a:satOff val="0"/>
-                <a:lumOff val="0"/>
-                <a:alphaOff val="0"/>
-              </a:schemeClr>
-            </a:fillRef>
-            <a:effectRef idx="0">
-              <a:schemeClr val="lt1">
-                <a:alpha val="90000"/>
-                <a:hueOff val="0"/>
-                <a:satOff val="0"/>
-                <a:lumOff val="0"/>
-                <a:alphaOff val="0"/>
-              </a:schemeClr>
-            </a:effectRef>
-            <a:fontRef idx="minor">
-              <a:schemeClr val="dk1">
-                <a:hueOff val="0"/>
-                <a:satOff val="0"/>
-                <a:lumOff val="0"/>
-                <a:alphaOff val="0"/>
-              </a:schemeClr>
-            </a:fontRef>
-          </p:style>
-          <p:txBody>
-            <a:bodyPr/>
-            <a:lstStyle/>
-            <a:p>
-              <a:endParaRPr lang="en-CA"/>
-            </a:p>
-          </p:txBody>
-        </p:sp>
-        <p:sp>
-          <p:nvSpPr>
-            <p:cNvPr id="71" name="Oval 31">
-              <a:extLst>
-                <a:ext uri="{FF2B5EF4-FFF2-40B4-BE49-F238E27FC236}">
-                  <a16:creationId xmlns:a16="http://schemas.microsoft.com/office/drawing/2014/main" id="{C06075FD-2137-9CCB-767A-3A1DA5272686}"/>
-                </a:ext>
-              </a:extLst>
-            </p:cNvPr>
-            <p:cNvSpPr txBox="1"/>
-            <p:nvPr/>
-          </p:nvSpPr>
-          <p:spPr>
-            <a:xfrm>
-              <a:off x="4927927" y="4393847"/>
-              <a:ext cx="435868" cy="272418"/>
-            </a:xfrm>
-            <a:prstGeom prst="rect">
-              <a:avLst/>
-            </a:prstGeom>
-          </p:spPr>
-          <p:style>
-            <a:lnRef idx="0">
-              <a:scrgbClr r="0" g="0" b="0"/>
-            </a:lnRef>
-            <a:fillRef idx="0">
-              <a:scrgbClr r="0" g="0" b="0"/>
-            </a:fillRef>
-            <a:effectRef idx="0">
-              <a:scrgbClr r="0" g="0" b="0"/>
-            </a:effectRef>
-            <a:fontRef idx="minor">
-              <a:schemeClr val="dk1">
-                <a:hueOff val="0"/>
-                <a:satOff val="0"/>
-                <a:lumOff val="0"/>
-                <a:alphaOff val="0"/>
-              </a:schemeClr>
-            </a:fontRef>
-          </p:style>
-          <p:txBody>
-            <a:bodyPr spcFirstLastPara="0" vert="horz" wrap="square" lIns="15240" tIns="10160" rIns="15240" bIns="10160" numCol="1" spcCol="1270" anchor="ctr" anchorCtr="0">
-              <a:noAutofit/>
-            </a:bodyPr>
-            <a:lstStyle/>
-            <a:p>
-              <a:pPr marL="0" lvl="0" indent="0" algn="ctr" defTabSz="355600">
-                <a:lnSpc>
-                  <a:spcPct val="90000"/>
-                </a:lnSpc>
-                <a:spcBef>
-                  <a:spcPct val="0"/>
-                </a:spcBef>
-                <a:spcAft>
-                  <a:spcPct val="35000"/>
-                </a:spcAft>
-                <a:buNone/>
-              </a:pPr>
-              <a:r>
-                <a:rPr lang="en-CA" sz="800" kern="1200" dirty="0"/>
-                <a:t>Extension Due Date</a:t>
-              </a:r>
-            </a:p>
-          </p:txBody>
-        </p:sp>
-      </p:grpSp>
-      <p:sp>
-        <p:nvSpPr>
-          <p:cNvPr id="54" name="Straight Connector 32">
-            <a:extLst>
-              <a:ext uri="{FF2B5EF4-FFF2-40B4-BE49-F238E27FC236}">
-                <a16:creationId xmlns:a16="http://schemas.microsoft.com/office/drawing/2014/main" id="{B169B751-6AF1-76B1-3510-D9AB68BA778C}"/>
-              </a:ext>
-            </a:extLst>
-          </p:cNvPr>
-          <p:cNvSpPr/>
-          <p:nvPr/>
-        </p:nvSpPr>
-        <p:spPr>
-          <a:xfrm>
-            <a:off x="5742075" y="491420"/>
-            <a:ext cx="91440" cy="4623077"/>
-          </a:xfrm>
-          <a:custGeom>
-            <a:avLst/>
-            <a:gdLst/>
-            <a:ahLst/>
-            <a:cxnLst/>
-            <a:rect l="0" t="0" r="0" b="0"/>
-            <a:pathLst>
-              <a:path>
-                <a:moveTo>
-                  <a:pt x="45720" y="0"/>
-                </a:moveTo>
-                <a:lnTo>
-                  <a:pt x="45720" y="4623077"/>
-                </a:lnTo>
-                <a:lnTo>
-                  <a:pt x="122771" y="4623077"/>
-                </a:lnTo>
-              </a:path>
-            </a:pathLst>
-          </a:custGeom>
-          <a:noFill/>
-        </p:spPr>
-        <p:style>
-          <a:lnRef idx="2">
-            <a:schemeClr val="accent1">
-              <a:shade val="60000"/>
-              <a:hueOff val="0"/>
-              <a:satOff val="0"/>
-              <a:lumOff val="0"/>
-              <a:alphaOff val="0"/>
-            </a:schemeClr>
-          </a:lnRef>
-          <a:fillRef idx="0">
-            <a:scrgbClr r="0" g="0" b="0"/>
-          </a:fillRef>
-          <a:effectRef idx="0">
-            <a:schemeClr val="accent1">
-              <a:hueOff val="0"/>
-              <a:satOff val="0"/>
-              <a:lumOff val="0"/>
-              <a:alphaOff val="0"/>
-            </a:schemeClr>
-          </a:effectRef>
-          <a:fontRef idx="minor">
-            <a:schemeClr val="tx1">
-              <a:hueOff val="0"/>
-              <a:satOff val="0"/>
-              <a:lumOff val="0"/>
-              <a:alphaOff val="0"/>
-            </a:schemeClr>
-          </a:fontRef>
-        </p:style>
-        <p:txBody>
-          <a:bodyPr/>
-          <a:lstStyle/>
-          <a:p>
-            <a:endParaRPr lang="en-CA"/>
-          </a:p>
-        </p:txBody>
-      </p:sp>
-      <p:grpSp>
-        <p:nvGrpSpPr>
-          <p:cNvPr id="55" name="Group 54">
-            <a:extLst>
-              <a:ext uri="{FF2B5EF4-FFF2-40B4-BE49-F238E27FC236}">
-                <a16:creationId xmlns:a16="http://schemas.microsoft.com/office/drawing/2014/main" id="{3C2CD8F8-F228-83B3-AA34-C5060A513FCF}"/>
-              </a:ext>
-            </a:extLst>
-          </p:cNvPr>
-          <p:cNvGrpSpPr/>
-          <p:nvPr/>
-        </p:nvGrpSpPr>
-        <p:grpSpPr>
-          <a:xfrm>
-            <a:off x="5864846" y="4921869"/>
-            <a:ext cx="616410" cy="385256"/>
-            <a:chOff x="4837656" y="4818998"/>
-            <a:chExt cx="616410" cy="385256"/>
-          </a:xfrm>
-        </p:grpSpPr>
-        <p:sp>
-          <p:nvSpPr>
-            <p:cNvPr id="68" name="Oval 67">
-              <a:extLst>
-                <a:ext uri="{FF2B5EF4-FFF2-40B4-BE49-F238E27FC236}">
-                  <a16:creationId xmlns:a16="http://schemas.microsoft.com/office/drawing/2014/main" id="{EA98482B-2449-BE1A-5D47-A9C3F161272D}"/>
-                </a:ext>
-              </a:extLst>
-            </p:cNvPr>
-            <p:cNvSpPr/>
-            <p:nvPr/>
-          </p:nvSpPr>
-          <p:spPr>
-            <a:xfrm>
-              <a:off x="4837656" y="4818998"/>
-              <a:ext cx="616410" cy="385256"/>
-            </a:xfrm>
-            <a:prstGeom prst="ellipse">
-              <a:avLst/>
-            </a:prstGeom>
-          </p:spPr>
-          <p:style>
-            <a:lnRef idx="2">
-              <a:schemeClr val="accent1">
-                <a:hueOff val="0"/>
-                <a:satOff val="0"/>
-                <a:lumOff val="0"/>
-                <a:alphaOff val="0"/>
-              </a:schemeClr>
-            </a:lnRef>
-            <a:fillRef idx="1">
-              <a:schemeClr val="lt1">
-                <a:alpha val="90000"/>
-                <a:hueOff val="0"/>
-                <a:satOff val="0"/>
-                <a:lumOff val="0"/>
-                <a:alphaOff val="0"/>
-              </a:schemeClr>
-            </a:fillRef>
-            <a:effectRef idx="0">
-              <a:schemeClr val="lt1">
-                <a:alpha val="90000"/>
-                <a:hueOff val="0"/>
-                <a:satOff val="0"/>
-                <a:lumOff val="0"/>
-                <a:alphaOff val="0"/>
-              </a:schemeClr>
-            </a:effectRef>
-            <a:fontRef idx="minor">
-              <a:schemeClr val="dk1">
-                <a:hueOff val="0"/>
-                <a:satOff val="0"/>
-                <a:lumOff val="0"/>
-                <a:alphaOff val="0"/>
-              </a:schemeClr>
-            </a:fontRef>
-          </p:style>
-          <p:txBody>
-            <a:bodyPr/>
-            <a:lstStyle/>
-            <a:p>
-              <a:endParaRPr lang="en-CA"/>
-            </a:p>
-          </p:txBody>
-        </p:sp>
-        <p:sp>
-          <p:nvSpPr>
-            <p:cNvPr id="69" name="Oval 34">
-              <a:extLst>
-                <a:ext uri="{FF2B5EF4-FFF2-40B4-BE49-F238E27FC236}">
-                  <a16:creationId xmlns:a16="http://schemas.microsoft.com/office/drawing/2014/main" id="{70F4A672-C8B7-7C15-827C-5866E26D17C8}"/>
-                </a:ext>
-              </a:extLst>
-            </p:cNvPr>
-            <p:cNvSpPr txBox="1"/>
-            <p:nvPr/>
-          </p:nvSpPr>
-          <p:spPr>
-            <a:xfrm>
-              <a:off x="4927927" y="4875417"/>
-              <a:ext cx="435868" cy="272418"/>
-            </a:xfrm>
-            <a:prstGeom prst="rect">
-              <a:avLst/>
-            </a:prstGeom>
-          </p:spPr>
-          <p:style>
-            <a:lnRef idx="0">
-              <a:scrgbClr r="0" g="0" b="0"/>
-            </a:lnRef>
-            <a:fillRef idx="0">
-              <a:scrgbClr r="0" g="0" b="0"/>
-            </a:fillRef>
-            <a:effectRef idx="0">
-              <a:scrgbClr r="0" g="0" b="0"/>
-            </a:effectRef>
-            <a:fontRef idx="minor">
-              <a:schemeClr val="dk1">
-                <a:hueOff val="0"/>
-                <a:satOff val="0"/>
-                <a:lumOff val="0"/>
-                <a:alphaOff val="0"/>
-              </a:schemeClr>
-            </a:fontRef>
-          </p:style>
-          <p:txBody>
-            <a:bodyPr spcFirstLastPara="0" vert="horz" wrap="square" lIns="15240" tIns="10160" rIns="15240" bIns="10160" numCol="1" spcCol="1270" anchor="ctr" anchorCtr="0">
-              <a:noAutofit/>
-            </a:bodyPr>
-            <a:lstStyle/>
-            <a:p>
-              <a:pPr marL="0" lvl="0" indent="0" algn="ctr" defTabSz="355600">
-                <a:lnSpc>
-                  <a:spcPct val="90000"/>
-                </a:lnSpc>
-                <a:spcBef>
-                  <a:spcPct val="0"/>
-                </a:spcBef>
-                <a:spcAft>
-                  <a:spcPct val="35000"/>
-                </a:spcAft>
-                <a:buNone/>
-              </a:pPr>
-              <a:r>
-                <a:rPr lang="en-CA" sz="800" kern="1200" dirty="0"/>
-                <a:t>Overdue Rental Action Taken</a:t>
-              </a:r>
-            </a:p>
-          </p:txBody>
-        </p:sp>
-      </p:grpSp>
-      <p:sp>
-        <p:nvSpPr>
-          <p:cNvPr id="56" name="Straight Connector 35">
-            <a:extLst>
-              <a:ext uri="{FF2B5EF4-FFF2-40B4-BE49-F238E27FC236}">
-                <a16:creationId xmlns:a16="http://schemas.microsoft.com/office/drawing/2014/main" id="{1C67A34A-EC32-97C8-B09F-DD260599A04A}"/>
-              </a:ext>
-            </a:extLst>
-          </p:cNvPr>
-          <p:cNvSpPr/>
-          <p:nvPr/>
-        </p:nvSpPr>
-        <p:spPr>
-          <a:xfrm>
-            <a:off x="5742075" y="491420"/>
-            <a:ext cx="91440" cy="5104648"/>
-          </a:xfrm>
-          <a:custGeom>
-            <a:avLst/>
-            <a:gdLst/>
-            <a:ahLst/>
-            <a:cxnLst/>
-            <a:rect l="0" t="0" r="0" b="0"/>
-            <a:pathLst>
-              <a:path>
-                <a:moveTo>
-                  <a:pt x="45720" y="0"/>
-                </a:moveTo>
-                <a:lnTo>
-                  <a:pt x="45720" y="5104648"/>
-                </a:lnTo>
-                <a:lnTo>
-                  <a:pt x="122771" y="5104648"/>
-                </a:lnTo>
-              </a:path>
-            </a:pathLst>
-          </a:custGeom>
-          <a:noFill/>
-        </p:spPr>
-        <p:style>
-          <a:lnRef idx="2">
-            <a:schemeClr val="accent1">
-              <a:shade val="60000"/>
-              <a:hueOff val="0"/>
-              <a:satOff val="0"/>
-              <a:lumOff val="0"/>
-              <a:alphaOff val="0"/>
-            </a:schemeClr>
-          </a:lnRef>
-          <a:fillRef idx="0">
-            <a:scrgbClr r="0" g="0" b="0"/>
-          </a:fillRef>
-          <a:effectRef idx="0">
-            <a:schemeClr val="accent1">
-              <a:hueOff val="0"/>
-              <a:satOff val="0"/>
-              <a:lumOff val="0"/>
-              <a:alphaOff val="0"/>
-            </a:schemeClr>
-          </a:effectRef>
-          <a:fontRef idx="minor">
-            <a:schemeClr val="tx1">
-              <a:hueOff val="0"/>
-              <a:satOff val="0"/>
-              <a:lumOff val="0"/>
-              <a:alphaOff val="0"/>
-            </a:schemeClr>
-          </a:fontRef>
-        </p:style>
-        <p:txBody>
-          <a:bodyPr/>
-          <a:lstStyle/>
-          <a:p>
-            <a:endParaRPr lang="en-CA"/>
-          </a:p>
-        </p:txBody>
-      </p:sp>
-      <p:grpSp>
-        <p:nvGrpSpPr>
-          <p:cNvPr id="57" name="Group 56">
-            <a:extLst>
-              <a:ext uri="{FF2B5EF4-FFF2-40B4-BE49-F238E27FC236}">
-                <a16:creationId xmlns:a16="http://schemas.microsoft.com/office/drawing/2014/main" id="{A163FA36-DF6B-2C04-5B5E-140A8D7652D2}"/>
-              </a:ext>
-            </a:extLst>
-          </p:cNvPr>
-          <p:cNvGrpSpPr/>
-          <p:nvPr/>
-        </p:nvGrpSpPr>
-        <p:grpSpPr>
-          <a:xfrm>
-            <a:off x="5864846" y="5403440"/>
-            <a:ext cx="616410" cy="385256"/>
-            <a:chOff x="4837656" y="5300569"/>
-            <a:chExt cx="616410" cy="385256"/>
-          </a:xfrm>
-        </p:grpSpPr>
-        <p:sp>
-          <p:nvSpPr>
-            <p:cNvPr id="66" name="Oval 65">
-              <a:extLst>
-                <a:ext uri="{FF2B5EF4-FFF2-40B4-BE49-F238E27FC236}">
-                  <a16:creationId xmlns:a16="http://schemas.microsoft.com/office/drawing/2014/main" id="{4282113A-5B62-6899-D8E3-DB430FD4A711}"/>
-                </a:ext>
-              </a:extLst>
-            </p:cNvPr>
-            <p:cNvSpPr/>
-            <p:nvPr/>
-          </p:nvSpPr>
-          <p:spPr>
-            <a:xfrm>
-              <a:off x="4837656" y="5300569"/>
-              <a:ext cx="616410" cy="385256"/>
-            </a:xfrm>
-            <a:prstGeom prst="ellipse">
-              <a:avLst/>
-            </a:prstGeom>
-          </p:spPr>
-          <p:style>
-            <a:lnRef idx="2">
-              <a:schemeClr val="accent1">
-                <a:hueOff val="0"/>
-                <a:satOff val="0"/>
-                <a:lumOff val="0"/>
-                <a:alphaOff val="0"/>
-              </a:schemeClr>
-            </a:lnRef>
-            <a:fillRef idx="1">
-              <a:schemeClr val="lt1">
-                <a:alpha val="90000"/>
-                <a:hueOff val="0"/>
-                <a:satOff val="0"/>
-                <a:lumOff val="0"/>
-                <a:alphaOff val="0"/>
-              </a:schemeClr>
-            </a:fillRef>
-            <a:effectRef idx="0">
-              <a:schemeClr val="lt1">
-                <a:alpha val="90000"/>
-                <a:hueOff val="0"/>
-                <a:satOff val="0"/>
-                <a:lumOff val="0"/>
-                <a:alphaOff val="0"/>
-              </a:schemeClr>
-            </a:effectRef>
-            <a:fontRef idx="minor">
-              <a:schemeClr val="dk1">
-                <a:hueOff val="0"/>
-                <a:satOff val="0"/>
-                <a:lumOff val="0"/>
-                <a:alphaOff val="0"/>
-              </a:schemeClr>
-            </a:fontRef>
-          </p:style>
-          <p:txBody>
-            <a:bodyPr/>
-            <a:lstStyle/>
-            <a:p>
-              <a:endParaRPr lang="en-CA"/>
-            </a:p>
-          </p:txBody>
-        </p:sp>
-        <p:sp>
-          <p:nvSpPr>
-            <p:cNvPr id="67" name="Oval 37">
-              <a:extLst>
-                <a:ext uri="{FF2B5EF4-FFF2-40B4-BE49-F238E27FC236}">
-                  <a16:creationId xmlns:a16="http://schemas.microsoft.com/office/drawing/2014/main" id="{A895E0F2-FB9E-64A3-AEF5-2B0E34B78B16}"/>
-                </a:ext>
-              </a:extLst>
-            </p:cNvPr>
-            <p:cNvSpPr txBox="1"/>
-            <p:nvPr/>
-          </p:nvSpPr>
-          <p:spPr>
-            <a:xfrm>
-              <a:off x="4927927" y="5356988"/>
-              <a:ext cx="435868" cy="272418"/>
-            </a:xfrm>
-            <a:prstGeom prst="rect">
-              <a:avLst/>
-            </a:prstGeom>
-          </p:spPr>
-          <p:style>
-            <a:lnRef idx="0">
-              <a:scrgbClr r="0" g="0" b="0"/>
-            </a:lnRef>
-            <a:fillRef idx="0">
-              <a:scrgbClr r="0" g="0" b="0"/>
-            </a:fillRef>
-            <a:effectRef idx="0">
-              <a:scrgbClr r="0" g="0" b="0"/>
-            </a:effectRef>
-            <a:fontRef idx="minor">
-              <a:schemeClr val="dk1">
-                <a:hueOff val="0"/>
-                <a:satOff val="0"/>
-                <a:lumOff val="0"/>
-                <a:alphaOff val="0"/>
-              </a:schemeClr>
-            </a:fontRef>
-          </p:style>
-          <p:txBody>
-            <a:bodyPr spcFirstLastPara="0" vert="horz" wrap="square" lIns="15240" tIns="10160" rIns="15240" bIns="10160" numCol="1" spcCol="1270" anchor="ctr" anchorCtr="0">
-              <a:noAutofit/>
-            </a:bodyPr>
-            <a:lstStyle/>
-            <a:p>
-              <a:pPr marL="0" lvl="0" indent="0" algn="ctr" defTabSz="355600">
-                <a:lnSpc>
-                  <a:spcPct val="90000"/>
-                </a:lnSpc>
-                <a:spcBef>
-                  <a:spcPct val="0"/>
-                </a:spcBef>
-                <a:spcAft>
-                  <a:spcPct val="35000"/>
-                </a:spcAft>
-                <a:buNone/>
-              </a:pPr>
-              <a:r>
-                <a:rPr lang="en-CA" sz="800" kern="1200" dirty="0"/>
-                <a:t>Payment Frequency</a:t>
-              </a:r>
-            </a:p>
-          </p:txBody>
-        </p:sp>
-      </p:grpSp>
-      <p:sp>
-        <p:nvSpPr>
-          <p:cNvPr id="58" name="Straight Connector 38">
-            <a:extLst>
-              <a:ext uri="{FF2B5EF4-FFF2-40B4-BE49-F238E27FC236}">
-                <a16:creationId xmlns:a16="http://schemas.microsoft.com/office/drawing/2014/main" id="{58E70C01-2552-31F2-6452-EBF860294B39}"/>
-              </a:ext>
-            </a:extLst>
-          </p:cNvPr>
-          <p:cNvSpPr/>
-          <p:nvPr/>
-        </p:nvSpPr>
-        <p:spPr>
-          <a:xfrm>
-            <a:off x="5742075" y="491420"/>
-            <a:ext cx="91440" cy="5586219"/>
-          </a:xfrm>
-          <a:custGeom>
-            <a:avLst/>
-            <a:gdLst/>
-            <a:ahLst/>
-            <a:cxnLst/>
-            <a:rect l="0" t="0" r="0" b="0"/>
-            <a:pathLst>
-              <a:path>
-                <a:moveTo>
-                  <a:pt x="45720" y="0"/>
-                </a:moveTo>
-                <a:lnTo>
-                  <a:pt x="45720" y="5586219"/>
-                </a:lnTo>
-                <a:lnTo>
-                  <a:pt x="122771" y="5586219"/>
-                </a:lnTo>
-              </a:path>
-            </a:pathLst>
-          </a:custGeom>
-          <a:noFill/>
-        </p:spPr>
-        <p:style>
-          <a:lnRef idx="2">
-            <a:schemeClr val="accent1">
-              <a:shade val="60000"/>
-              <a:hueOff val="0"/>
-              <a:satOff val="0"/>
-              <a:lumOff val="0"/>
-              <a:alphaOff val="0"/>
-            </a:schemeClr>
-          </a:lnRef>
-          <a:fillRef idx="0">
-            <a:scrgbClr r="0" g="0" b="0"/>
-          </a:fillRef>
-          <a:effectRef idx="0">
-            <a:schemeClr val="accent1">
-              <a:hueOff val="0"/>
-              <a:satOff val="0"/>
-              <a:lumOff val="0"/>
-              <a:alphaOff val="0"/>
-            </a:schemeClr>
-          </a:effectRef>
-          <a:fontRef idx="minor">
-            <a:schemeClr val="tx1">
-              <a:hueOff val="0"/>
-              <a:satOff val="0"/>
-              <a:lumOff val="0"/>
-              <a:alphaOff val="0"/>
-            </a:schemeClr>
-          </a:fontRef>
-        </p:style>
-        <p:txBody>
-          <a:bodyPr/>
-          <a:lstStyle/>
-          <a:p>
-            <a:endParaRPr lang="en-CA"/>
-          </a:p>
-        </p:txBody>
-      </p:sp>
-      <p:grpSp>
-        <p:nvGrpSpPr>
-          <p:cNvPr id="59" name="Group 58">
-            <a:extLst>
-              <a:ext uri="{FF2B5EF4-FFF2-40B4-BE49-F238E27FC236}">
-                <a16:creationId xmlns:a16="http://schemas.microsoft.com/office/drawing/2014/main" id="{7534885B-FB05-F7B4-7B63-5F10708149EC}"/>
-              </a:ext>
-            </a:extLst>
-          </p:cNvPr>
-          <p:cNvGrpSpPr/>
-          <p:nvPr/>
-        </p:nvGrpSpPr>
-        <p:grpSpPr>
-          <a:xfrm>
-            <a:off x="5864846" y="5885011"/>
-            <a:ext cx="616410" cy="385256"/>
-            <a:chOff x="4837656" y="5782140"/>
-            <a:chExt cx="616410" cy="385256"/>
-          </a:xfrm>
-        </p:grpSpPr>
-        <p:sp>
-          <p:nvSpPr>
-            <p:cNvPr id="64" name="Oval 63">
-              <a:extLst>
-                <a:ext uri="{FF2B5EF4-FFF2-40B4-BE49-F238E27FC236}">
-                  <a16:creationId xmlns:a16="http://schemas.microsoft.com/office/drawing/2014/main" id="{DDF670A3-1E65-9599-C229-42971041CCE5}"/>
-                </a:ext>
-              </a:extLst>
-            </p:cNvPr>
-            <p:cNvSpPr/>
-            <p:nvPr/>
-          </p:nvSpPr>
-          <p:spPr>
-            <a:xfrm>
-              <a:off x="4837656" y="5782140"/>
-              <a:ext cx="616410" cy="385256"/>
-            </a:xfrm>
-            <a:prstGeom prst="ellipse">
-              <a:avLst/>
-            </a:prstGeom>
-          </p:spPr>
-          <p:style>
-            <a:lnRef idx="2">
-              <a:schemeClr val="accent1">
-                <a:hueOff val="0"/>
-                <a:satOff val="0"/>
-                <a:lumOff val="0"/>
-                <a:alphaOff val="0"/>
-              </a:schemeClr>
-            </a:lnRef>
-            <a:fillRef idx="1">
-              <a:schemeClr val="lt1">
-                <a:alpha val="90000"/>
-                <a:hueOff val="0"/>
-                <a:satOff val="0"/>
-                <a:lumOff val="0"/>
-                <a:alphaOff val="0"/>
-              </a:schemeClr>
-            </a:fillRef>
-            <a:effectRef idx="0">
-              <a:schemeClr val="lt1">
-                <a:alpha val="90000"/>
-                <a:hueOff val="0"/>
-                <a:satOff val="0"/>
-                <a:lumOff val="0"/>
-                <a:alphaOff val="0"/>
-              </a:schemeClr>
-            </a:effectRef>
-            <a:fontRef idx="minor">
-              <a:schemeClr val="dk1">
-                <a:hueOff val="0"/>
-                <a:satOff val="0"/>
-                <a:lumOff val="0"/>
-                <a:alphaOff val="0"/>
-              </a:schemeClr>
-            </a:fontRef>
-          </p:style>
-          <p:txBody>
-            <a:bodyPr/>
-            <a:lstStyle/>
-            <a:p>
-              <a:endParaRPr lang="en-CA"/>
-            </a:p>
-          </p:txBody>
-        </p:sp>
-        <p:sp>
-          <p:nvSpPr>
-            <p:cNvPr id="65" name="Oval 40">
-              <a:extLst>
-                <a:ext uri="{FF2B5EF4-FFF2-40B4-BE49-F238E27FC236}">
-                  <a16:creationId xmlns:a16="http://schemas.microsoft.com/office/drawing/2014/main" id="{E2AB01A1-0877-48A0-7C5A-E2F6E0C3E660}"/>
-                </a:ext>
-              </a:extLst>
-            </p:cNvPr>
-            <p:cNvSpPr txBox="1"/>
-            <p:nvPr/>
-          </p:nvSpPr>
-          <p:spPr>
-            <a:xfrm>
-              <a:off x="4927927" y="5838559"/>
-              <a:ext cx="435868" cy="272418"/>
-            </a:xfrm>
-            <a:prstGeom prst="rect">
-              <a:avLst/>
-            </a:prstGeom>
-          </p:spPr>
-          <p:style>
-            <a:lnRef idx="0">
-              <a:scrgbClr r="0" g="0" b="0"/>
-            </a:lnRef>
-            <a:fillRef idx="0">
-              <a:scrgbClr r="0" g="0" b="0"/>
-            </a:fillRef>
-            <a:effectRef idx="0">
-              <a:scrgbClr r="0" g="0" b="0"/>
-            </a:effectRef>
-            <a:fontRef idx="minor">
-              <a:schemeClr val="dk1">
-                <a:hueOff val="0"/>
-                <a:satOff val="0"/>
-                <a:lumOff val="0"/>
-                <a:alphaOff val="0"/>
-              </a:schemeClr>
-            </a:fontRef>
-          </p:style>
-          <p:txBody>
-            <a:bodyPr spcFirstLastPara="0" vert="horz" wrap="square" lIns="15240" tIns="10160" rIns="15240" bIns="10160" numCol="1" spcCol="1270" anchor="ctr" anchorCtr="0">
-              <a:noAutofit/>
-            </a:bodyPr>
-            <a:lstStyle/>
-            <a:p>
-              <a:pPr marL="0" lvl="0" indent="0" algn="ctr" defTabSz="355600">
-                <a:lnSpc>
-                  <a:spcPct val="90000"/>
-                </a:lnSpc>
-                <a:spcBef>
-                  <a:spcPct val="0"/>
-                </a:spcBef>
-                <a:spcAft>
-                  <a:spcPct val="35000"/>
-                </a:spcAft>
-                <a:buNone/>
-              </a:pPr>
-              <a:r>
-                <a:rPr lang="en-CA" sz="800" kern="1200" dirty="0"/>
-                <a:t>Is installation</a:t>
-              </a:r>
-            </a:p>
-          </p:txBody>
-        </p:sp>
-      </p:grpSp>
-      <p:sp>
-        <p:nvSpPr>
-          <p:cNvPr id="60" name="Straight Connector 41">
-            <a:extLst>
-              <a:ext uri="{FF2B5EF4-FFF2-40B4-BE49-F238E27FC236}">
-                <a16:creationId xmlns:a16="http://schemas.microsoft.com/office/drawing/2014/main" id="{EFBBCBFC-CA33-1989-CA6A-51BDC0990D4B}"/>
-              </a:ext>
-            </a:extLst>
-          </p:cNvPr>
-          <p:cNvSpPr/>
-          <p:nvPr/>
-        </p:nvSpPr>
-        <p:spPr>
-          <a:xfrm>
-            <a:off x="5742075" y="491420"/>
-            <a:ext cx="91440" cy="6067789"/>
-          </a:xfrm>
-          <a:custGeom>
-            <a:avLst/>
-            <a:gdLst/>
-            <a:ahLst/>
-            <a:cxnLst/>
-            <a:rect l="0" t="0" r="0" b="0"/>
-            <a:pathLst>
-              <a:path>
-                <a:moveTo>
-                  <a:pt x="45720" y="0"/>
-                </a:moveTo>
-                <a:lnTo>
-                  <a:pt x="45720" y="6067789"/>
-                </a:lnTo>
-                <a:lnTo>
-                  <a:pt x="122771" y="6067789"/>
-                </a:lnTo>
-              </a:path>
-            </a:pathLst>
-          </a:custGeom>
-          <a:noFill/>
-        </p:spPr>
-        <p:style>
-          <a:lnRef idx="2">
-            <a:schemeClr val="accent1">
-              <a:shade val="60000"/>
-              <a:hueOff val="0"/>
-              <a:satOff val="0"/>
-              <a:lumOff val="0"/>
-              <a:alphaOff val="0"/>
-            </a:schemeClr>
-          </a:lnRef>
-          <a:fillRef idx="0">
-            <a:scrgbClr r="0" g="0" b="0"/>
-          </a:fillRef>
-          <a:effectRef idx="0">
-            <a:schemeClr val="accent1">
-              <a:hueOff val="0"/>
-              <a:satOff val="0"/>
-              <a:lumOff val="0"/>
-              <a:alphaOff val="0"/>
-            </a:schemeClr>
-          </a:effectRef>
-          <a:fontRef idx="minor">
-            <a:schemeClr val="tx1">
-              <a:hueOff val="0"/>
-              <a:satOff val="0"/>
-              <a:lumOff val="0"/>
-              <a:alphaOff val="0"/>
-            </a:schemeClr>
-          </a:fontRef>
-        </p:style>
-        <p:txBody>
-          <a:bodyPr/>
-          <a:lstStyle/>
-          <a:p>
-            <a:endParaRPr lang="en-CA"/>
-          </a:p>
-        </p:txBody>
-      </p:sp>
-      <p:grpSp>
-        <p:nvGrpSpPr>
-          <p:cNvPr id="61" name="Group 60">
-            <a:extLst>
-              <a:ext uri="{FF2B5EF4-FFF2-40B4-BE49-F238E27FC236}">
-                <a16:creationId xmlns:a16="http://schemas.microsoft.com/office/drawing/2014/main" id="{77DE9C4F-013E-5D51-AD18-5D0A0D070E63}"/>
-              </a:ext>
-            </a:extLst>
-          </p:cNvPr>
-          <p:cNvGrpSpPr/>
-          <p:nvPr/>
-        </p:nvGrpSpPr>
-        <p:grpSpPr>
-          <a:xfrm>
-            <a:off x="5864846" y="6366581"/>
-            <a:ext cx="616410" cy="385256"/>
-            <a:chOff x="4837656" y="6263710"/>
-            <a:chExt cx="616410" cy="385256"/>
-          </a:xfrm>
-        </p:grpSpPr>
-        <p:sp>
-          <p:nvSpPr>
-            <p:cNvPr id="62" name="Oval 61">
-              <a:extLst>
-                <a:ext uri="{FF2B5EF4-FFF2-40B4-BE49-F238E27FC236}">
-                  <a16:creationId xmlns:a16="http://schemas.microsoft.com/office/drawing/2014/main" id="{8B0AFDD1-67E5-A553-5FC9-8C08B76B5A79}"/>
-                </a:ext>
-              </a:extLst>
-            </p:cNvPr>
-            <p:cNvSpPr/>
-            <p:nvPr/>
-          </p:nvSpPr>
-          <p:spPr>
-            <a:xfrm>
-              <a:off x="4837656" y="6263710"/>
-              <a:ext cx="616410" cy="385256"/>
-            </a:xfrm>
-            <a:prstGeom prst="ellipse">
-              <a:avLst/>
-            </a:prstGeom>
-          </p:spPr>
-          <p:style>
-            <a:lnRef idx="2">
-              <a:schemeClr val="accent1">
-                <a:hueOff val="0"/>
-                <a:satOff val="0"/>
-                <a:lumOff val="0"/>
-                <a:alphaOff val="0"/>
-              </a:schemeClr>
-            </a:lnRef>
-            <a:fillRef idx="1">
-              <a:schemeClr val="lt1">
-                <a:alpha val="90000"/>
-                <a:hueOff val="0"/>
-                <a:satOff val="0"/>
-                <a:lumOff val="0"/>
-                <a:alphaOff val="0"/>
-              </a:schemeClr>
-            </a:fillRef>
-            <a:effectRef idx="0">
-              <a:schemeClr val="lt1">
-                <a:alpha val="90000"/>
-                <a:hueOff val="0"/>
-                <a:satOff val="0"/>
-                <a:lumOff val="0"/>
-                <a:alphaOff val="0"/>
-              </a:schemeClr>
-            </a:effectRef>
-            <a:fontRef idx="minor">
-              <a:schemeClr val="dk1">
-                <a:hueOff val="0"/>
-                <a:satOff val="0"/>
-                <a:lumOff val="0"/>
-                <a:alphaOff val="0"/>
-              </a:schemeClr>
-            </a:fontRef>
-          </p:style>
-          <p:txBody>
-            <a:bodyPr/>
-            <a:lstStyle/>
-            <a:p>
-              <a:endParaRPr lang="en-CA"/>
-            </a:p>
-          </p:txBody>
-        </p:sp>
-        <p:sp>
-          <p:nvSpPr>
-            <p:cNvPr id="63" name="Oval 43">
-              <a:extLst>
-                <a:ext uri="{FF2B5EF4-FFF2-40B4-BE49-F238E27FC236}">
-                  <a16:creationId xmlns:a16="http://schemas.microsoft.com/office/drawing/2014/main" id="{F1A30A7E-C7C2-F746-D772-B688992E8E71}"/>
-                </a:ext>
-              </a:extLst>
-            </p:cNvPr>
-            <p:cNvSpPr txBox="1"/>
-            <p:nvPr/>
-          </p:nvSpPr>
-          <p:spPr>
-            <a:xfrm>
-              <a:off x="4927927" y="6320129"/>
-              <a:ext cx="435868" cy="272418"/>
-            </a:xfrm>
-            <a:prstGeom prst="rect">
-              <a:avLst/>
-            </a:prstGeom>
-          </p:spPr>
-          <p:style>
-            <a:lnRef idx="0">
-              <a:scrgbClr r="0" g="0" b="0"/>
-            </a:lnRef>
-            <a:fillRef idx="0">
-              <a:scrgbClr r="0" g="0" b="0"/>
-            </a:fillRef>
-            <a:effectRef idx="0">
-              <a:scrgbClr r="0" g="0" b="0"/>
-            </a:effectRef>
-            <a:fontRef idx="minor">
-              <a:schemeClr val="dk1">
-                <a:hueOff val="0"/>
-                <a:satOff val="0"/>
-                <a:lumOff val="0"/>
-                <a:alphaOff val="0"/>
-              </a:schemeClr>
-            </a:fontRef>
-          </p:style>
-          <p:txBody>
-            <a:bodyPr spcFirstLastPara="0" vert="horz" wrap="square" lIns="15240" tIns="10160" rIns="15240" bIns="10160" numCol="1" spcCol="1270" anchor="ctr" anchorCtr="0">
-              <a:noAutofit/>
-            </a:bodyPr>
-            <a:lstStyle/>
-            <a:p>
-              <a:pPr marL="0" lvl="0" indent="0" algn="ctr" defTabSz="355600">
-                <a:lnSpc>
-                  <a:spcPct val="90000"/>
-                </a:lnSpc>
-                <a:spcBef>
-                  <a:spcPct val="0"/>
-                </a:spcBef>
-                <a:spcAft>
-                  <a:spcPct val="35000"/>
-                </a:spcAft>
-                <a:buNone/>
-              </a:pPr>
-              <a:r>
-                <a:rPr lang="en-CA" sz="800" kern="1200" dirty="0"/>
-                <a:t>Is Delivery</a:t>
-              </a:r>
-            </a:p>
-          </p:txBody>
-        </p:sp>
-      </p:grpSp>
-    </p:spTree>
-    <p:extLst>
-      <p:ext uri="{BB962C8B-B14F-4D97-AF65-F5344CB8AC3E}">
-        <p14:creationId xmlns:p14="http://schemas.microsoft.com/office/powerpoint/2010/main" val="2498326864"/>
-      </p:ext>
-    </p:extLst>
-  </p:cSld>
-  <p:clrMapOvr>
-    <a:masterClrMapping/>
-  </p:clrMapOvr>
-</p:sld>
-</file>
-
-<file path=ppt/slides/slide4.xml><?xml version="1.0" encoding="utf-8"?>
+<file path=ppt/slides/slide2.xml><?xml version="1.0" encoding="utf-8"?>
 <p:sld xmlns:a="http://schemas.openxmlformats.org/drawingml/2006/main" xmlns:r="http://schemas.openxmlformats.org/officeDocument/2006/relationships" xmlns:p="http://schemas.openxmlformats.org/presentationml/2006/main">
   <p:cSld>
     <p:spTree>
